--- a/report/report.pptx
+++ b/report/report.pptx
@@ -2071,1711 +2071,6 @@
       <dsp:cNvGrpSpPr/>
     </dsp:nvGrpSpPr>
     <dsp:grpSpPr/>
-    <dsp:sp modelId="{A3D18F7F-16C9-4E61-A5F1-EB3AA7FB1076}">
-      <dsp:nvSpPr>
-        <dsp:cNvPr id="0" name=""/>
-        <dsp:cNvSpPr/>
-      </dsp:nvSpPr>
-      <dsp:spPr>
-        <a:xfrm>
-          <a:off x="202216" y="1110160"/>
-          <a:ext cx="1283765" cy="641882"/>
-        </a:xfrm>
-        <a:prstGeom prst="roundRect">
-          <a:avLst>
-            <a:gd name="adj" fmla="val 10000"/>
-          </a:avLst>
-        </a:prstGeom>
-        <a:solidFill>
-          <a:schemeClr val="accent1">
-            <a:hueOff val="0"/>
-            <a:satOff val="0"/>
-            <a:lumOff val="0"/>
-            <a:alphaOff val="0"/>
-          </a:schemeClr>
-        </a:solidFill>
-        <a:ln>
-          <a:noFill/>
-        </a:ln>
-        <a:effectLst/>
-        <a:scene3d>
-          <a:camera prst="orthographicFront"/>
-          <a:lightRig rig="chilly" dir="t"/>
-        </a:scene3d>
-        <a:sp3d prstMaterial="translucentPowder">
-          <a:bevelT w="127000" h="25400" prst="softRound"/>
-        </a:sp3d>
-      </dsp:spPr>
-      <dsp:style>
-        <a:lnRef idx="0">
-          <a:scrgbClr r="0" g="0" b="0"/>
-        </a:lnRef>
-        <a:fillRef idx="1">
-          <a:scrgbClr r="0" g="0" b="0"/>
-        </a:fillRef>
-        <a:effectRef idx="0">
-          <a:scrgbClr r="0" g="0" b="0"/>
-        </a:effectRef>
-        <a:fontRef idx="minor">
-          <a:schemeClr val="lt1"/>
-        </a:fontRef>
-      </dsp:style>
-      <dsp:txBody>
-        <a:bodyPr spcFirstLastPara="0" vert="horz" wrap="square" lIns="12700" tIns="12700" rIns="12700" bIns="12700" numCol="1" spcCol="1270" anchor="ctr" anchorCtr="0">
-          <a:noAutofit/>
-        </a:bodyPr>
-        <a:lstStyle/>
-        <a:p>
-          <a:pPr lvl="0" algn="ctr" defTabSz="889000">
-            <a:lnSpc>
-              <a:spcPct val="90000"/>
-            </a:lnSpc>
-            <a:spcBef>
-              <a:spcPct val="0"/>
-            </a:spcBef>
-            <a:spcAft>
-              <a:spcPct val="35000"/>
-            </a:spcAft>
-          </a:pPr>
-          <a:r>
-            <a:rPr lang="fr-FR" sz="2000" kern="1200" dirty="0" err="1" smtClean="0"/>
-            <a:t>Insect</a:t>
-          </a:r>
-          <a:r>
-            <a:rPr lang="fr-FR" sz="2000" kern="1200" dirty="0" smtClean="0"/>
-            <a:t> VS</a:t>
-          </a:r>
-          <a:endParaRPr lang="fr-FR" sz="2000" kern="1200" dirty="0"/>
-        </a:p>
-      </dsp:txBody>
-      <dsp:txXfrm>
-        <a:off x="221016" y="1128960"/>
-        <a:ext cx="1246165" cy="604282"/>
-      </dsp:txXfrm>
-    </dsp:sp>
-    <dsp:sp modelId="{C56FF5A5-FF7A-4FE8-809F-5DA53103B2E2}">
-      <dsp:nvSpPr>
-        <dsp:cNvPr id="0" name=""/>
-        <dsp:cNvSpPr/>
-      </dsp:nvSpPr>
-      <dsp:spPr>
-        <a:xfrm>
-          <a:off x="1485981" y="1417786"/>
-          <a:ext cx="513506" cy="26630"/>
-        </a:xfrm>
-        <a:custGeom>
-          <a:avLst/>
-          <a:gdLst/>
-          <a:ahLst/>
-          <a:cxnLst/>
-          <a:rect l="0" t="0" r="0" b="0"/>
-          <a:pathLst>
-            <a:path>
-              <a:moveTo>
-                <a:pt x="0" y="13315"/>
-              </a:moveTo>
-              <a:lnTo>
-                <a:pt x="513506" y="13315"/>
-              </a:lnTo>
-            </a:path>
-          </a:pathLst>
-        </a:custGeom>
-        <a:noFill/>
-        <a:ln w="12700" cap="flat" cmpd="sng" algn="ctr">
-          <a:solidFill>
-            <a:schemeClr val="accent2">
-              <a:hueOff val="0"/>
-              <a:satOff val="0"/>
-              <a:lumOff val="0"/>
-              <a:alphaOff val="0"/>
-            </a:schemeClr>
-          </a:solidFill>
-          <a:prstDash val="solid"/>
-          <a:miter lim="800000"/>
-        </a:ln>
-        <a:effectLst/>
-        <a:sp3d z="-40000" prstMaterial="matte"/>
-      </dsp:spPr>
-      <dsp:style>
-        <a:lnRef idx="2">
-          <a:scrgbClr r="0" g="0" b="0"/>
-        </a:lnRef>
-        <a:fillRef idx="0">
-          <a:scrgbClr r="0" g="0" b="0"/>
-        </a:fillRef>
-        <a:effectRef idx="0">
-          <a:scrgbClr r="0" g="0" b="0"/>
-        </a:effectRef>
-        <a:fontRef idx="minor"/>
-      </dsp:style>
-      <dsp:txBody>
-        <a:bodyPr spcFirstLastPara="0" vert="horz" wrap="square" lIns="12700" tIns="0" rIns="12700" bIns="0" numCol="1" spcCol="1270" anchor="ctr" anchorCtr="0">
-          <a:noAutofit/>
-        </a:bodyPr>
-        <a:lstStyle/>
-        <a:p>
-          <a:pPr lvl="0" algn="ctr" defTabSz="222250">
-            <a:lnSpc>
-              <a:spcPct val="90000"/>
-            </a:lnSpc>
-            <a:spcBef>
-              <a:spcPct val="0"/>
-            </a:spcBef>
-            <a:spcAft>
-              <a:spcPct val="35000"/>
-            </a:spcAft>
-          </a:pPr>
-          <a:endParaRPr lang="fr-FR" sz="500" kern="1200"/>
-        </a:p>
-      </dsp:txBody>
-      <dsp:txXfrm>
-        <a:off x="1729897" y="1418264"/>
-        <a:ext cx="25675" cy="25675"/>
-      </dsp:txXfrm>
-    </dsp:sp>
-    <dsp:sp modelId="{81AC247A-435F-4B83-9B4F-40F17E8B178D}">
-      <dsp:nvSpPr>
-        <dsp:cNvPr id="0" name=""/>
-        <dsp:cNvSpPr/>
-      </dsp:nvSpPr>
-      <dsp:spPr>
-        <a:xfrm>
-          <a:off x="1999487" y="1110160"/>
-          <a:ext cx="1283765" cy="641882"/>
-        </a:xfrm>
-        <a:prstGeom prst="roundRect">
-          <a:avLst>
-            <a:gd name="adj" fmla="val 10000"/>
-          </a:avLst>
-        </a:prstGeom>
-        <a:solidFill>
-          <a:schemeClr val="accent2">
-            <a:hueOff val="0"/>
-            <a:satOff val="0"/>
-            <a:lumOff val="0"/>
-            <a:alphaOff val="0"/>
-          </a:schemeClr>
-        </a:solidFill>
-        <a:ln>
-          <a:noFill/>
-        </a:ln>
-        <a:effectLst/>
-        <a:scene3d>
-          <a:camera prst="orthographicFront"/>
-          <a:lightRig rig="chilly" dir="t"/>
-        </a:scene3d>
-        <a:sp3d prstMaterial="translucentPowder">
-          <a:bevelT w="127000" h="25400" prst="softRound"/>
-        </a:sp3d>
-      </dsp:spPr>
-      <dsp:style>
-        <a:lnRef idx="0">
-          <a:scrgbClr r="0" g="0" b="0"/>
-        </a:lnRef>
-        <a:fillRef idx="1">
-          <a:scrgbClr r="0" g="0" b="0"/>
-        </a:fillRef>
-        <a:effectRef idx="0">
-          <a:scrgbClr r="0" g="0" b="0"/>
-        </a:effectRef>
-        <a:fontRef idx="minor">
-          <a:schemeClr val="lt1"/>
-        </a:fontRef>
-      </dsp:style>
-      <dsp:txBody>
-        <a:bodyPr spcFirstLastPara="0" vert="horz" wrap="square" lIns="12700" tIns="12700" rIns="12700" bIns="12700" numCol="1" spcCol="1270" anchor="ctr" anchorCtr="0">
-          <a:noAutofit/>
-        </a:bodyPr>
-        <a:lstStyle/>
-        <a:p>
-          <a:pPr lvl="0" algn="ctr" defTabSz="889000">
-            <a:lnSpc>
-              <a:spcPct val="90000"/>
-            </a:lnSpc>
-            <a:spcBef>
-              <a:spcPct val="0"/>
-            </a:spcBef>
-            <a:spcAft>
-              <a:spcPct val="35000"/>
-            </a:spcAft>
-          </a:pPr>
-          <a:r>
-            <a:rPr lang="fr-FR" sz="2000" kern="1200" dirty="0" err="1" smtClean="0"/>
-            <a:t>Artificial</a:t>
-          </a:r>
-          <a:r>
-            <a:rPr lang="fr-FR" sz="2000" kern="1200" dirty="0" smtClean="0"/>
-            <a:t> VS</a:t>
-          </a:r>
-        </a:p>
-      </dsp:txBody>
-      <dsp:txXfrm>
-        <a:off x="2018287" y="1128960"/>
-        <a:ext cx="1246165" cy="604282"/>
-      </dsp:txXfrm>
-    </dsp:sp>
-    <dsp:sp modelId="{477B3589-11A9-479E-90FD-4202A8FA7096}">
-      <dsp:nvSpPr>
-        <dsp:cNvPr id="0" name=""/>
-        <dsp:cNvSpPr/>
-      </dsp:nvSpPr>
-      <dsp:spPr>
-        <a:xfrm rot="18289469">
-          <a:off x="3090402" y="1048703"/>
-          <a:ext cx="899208" cy="26630"/>
-        </a:xfrm>
-        <a:custGeom>
-          <a:avLst/>
-          <a:gdLst/>
-          <a:ahLst/>
-          <a:cxnLst/>
-          <a:rect l="0" t="0" r="0" b="0"/>
-          <a:pathLst>
-            <a:path>
-              <a:moveTo>
-                <a:pt x="0" y="13315"/>
-              </a:moveTo>
-              <a:lnTo>
-                <a:pt x="899208" y="13315"/>
-              </a:lnTo>
-            </a:path>
-          </a:pathLst>
-        </a:custGeom>
-        <a:noFill/>
-        <a:ln w="12700" cap="flat" cmpd="sng" algn="ctr">
-          <a:solidFill>
-            <a:schemeClr val="accent3">
-              <a:hueOff val="0"/>
-              <a:satOff val="0"/>
-              <a:lumOff val="0"/>
-              <a:alphaOff val="0"/>
-            </a:schemeClr>
-          </a:solidFill>
-          <a:prstDash val="solid"/>
-          <a:miter lim="800000"/>
-        </a:ln>
-        <a:effectLst/>
-        <a:scene3d>
-          <a:camera prst="orthographicFront"/>
-          <a:lightRig rig="chilly" dir="t"/>
-        </a:scene3d>
-        <a:sp3d z="-40000" prstMaterial="matte"/>
-      </dsp:spPr>
-      <dsp:style>
-        <a:lnRef idx="2">
-          <a:scrgbClr r="0" g="0" b="0"/>
-        </a:lnRef>
-        <a:fillRef idx="0">
-          <a:scrgbClr r="0" g="0" b="0"/>
-        </a:fillRef>
-        <a:effectRef idx="0">
-          <a:scrgbClr r="0" g="0" b="0"/>
-        </a:effectRef>
-        <a:fontRef idx="minor"/>
-      </dsp:style>
-      <dsp:txBody>
-        <a:bodyPr spcFirstLastPara="0" vert="horz" wrap="square" lIns="12700" tIns="0" rIns="12700" bIns="0" numCol="1" spcCol="1270" anchor="ctr" anchorCtr="0">
-          <a:noAutofit/>
-        </a:bodyPr>
-        <a:lstStyle/>
-        <a:p>
-          <a:pPr lvl="0" algn="ctr" defTabSz="222250">
-            <a:lnSpc>
-              <a:spcPct val="90000"/>
-            </a:lnSpc>
-            <a:spcBef>
-              <a:spcPct val="0"/>
-            </a:spcBef>
-            <a:spcAft>
-              <a:spcPct val="35000"/>
-            </a:spcAft>
-          </a:pPr>
-          <a:endParaRPr lang="fr-FR" sz="500" kern="1200"/>
-        </a:p>
-      </dsp:txBody>
-      <dsp:txXfrm>
-        <a:off x="3517526" y="1039539"/>
-        <a:ext cx="44960" cy="44960"/>
-      </dsp:txXfrm>
-    </dsp:sp>
-    <dsp:sp modelId="{C155B32E-060E-4FEE-BF6D-CED00C422764}">
-      <dsp:nvSpPr>
-        <dsp:cNvPr id="0" name=""/>
-        <dsp:cNvSpPr/>
-      </dsp:nvSpPr>
-      <dsp:spPr>
-        <a:xfrm>
-          <a:off x="3796759" y="371995"/>
-          <a:ext cx="1283765" cy="641882"/>
-        </a:xfrm>
-        <a:prstGeom prst="roundRect">
-          <a:avLst>
-            <a:gd name="adj" fmla="val 10000"/>
-          </a:avLst>
-        </a:prstGeom>
-        <a:solidFill>
-          <a:schemeClr val="accent3">
-            <a:hueOff val="0"/>
-            <a:satOff val="0"/>
-            <a:lumOff val="0"/>
-            <a:alphaOff val="0"/>
-          </a:schemeClr>
-        </a:solidFill>
-        <a:ln>
-          <a:noFill/>
-        </a:ln>
-        <a:effectLst/>
-        <a:scene3d>
-          <a:camera prst="orthographicFront"/>
-          <a:lightRig rig="chilly" dir="t"/>
-        </a:scene3d>
-        <a:sp3d prstMaterial="translucentPowder">
-          <a:bevelT w="127000" h="25400" prst="softRound"/>
-        </a:sp3d>
-      </dsp:spPr>
-      <dsp:style>
-        <a:lnRef idx="0">
-          <a:scrgbClr r="0" g="0" b="0"/>
-        </a:lnRef>
-        <a:fillRef idx="1">
-          <a:scrgbClr r="0" g="0" b="0"/>
-        </a:fillRef>
-        <a:effectRef idx="0">
-          <a:scrgbClr r="0" g="0" b="0"/>
-        </a:effectRef>
-        <a:fontRef idx="minor">
-          <a:schemeClr val="lt1"/>
-        </a:fontRef>
-      </dsp:style>
-      <dsp:txBody>
-        <a:bodyPr spcFirstLastPara="0" vert="horz" wrap="square" lIns="12700" tIns="12700" rIns="12700" bIns="12700" numCol="1" spcCol="1270" anchor="ctr" anchorCtr="0">
-          <a:noAutofit/>
-        </a:bodyPr>
-        <a:lstStyle/>
-        <a:p>
-          <a:pPr lvl="0" algn="ctr" defTabSz="889000">
-            <a:lnSpc>
-              <a:spcPct val="90000"/>
-            </a:lnSpc>
-            <a:spcBef>
-              <a:spcPct val="0"/>
-            </a:spcBef>
-            <a:spcAft>
-              <a:spcPct val="35000"/>
-            </a:spcAft>
-          </a:pPr>
-          <a:r>
-            <a:rPr lang="fr-FR" sz="2000" kern="1200" dirty="0" smtClean="0"/>
-            <a:t>LSM</a:t>
-          </a:r>
-          <a:endParaRPr lang="fr-FR" sz="2000" kern="1200" dirty="0"/>
-        </a:p>
-      </dsp:txBody>
-      <dsp:txXfrm>
-        <a:off x="3815559" y="390795"/>
-        <a:ext cx="1246165" cy="604282"/>
-      </dsp:txXfrm>
-    </dsp:sp>
-    <dsp:sp modelId="{A3960E44-FB36-4837-9B7E-A4EB4B49F97A}">
-      <dsp:nvSpPr>
-        <dsp:cNvPr id="0" name=""/>
-        <dsp:cNvSpPr/>
-      </dsp:nvSpPr>
-      <dsp:spPr>
-        <a:xfrm>
-          <a:off x="3283253" y="1417786"/>
-          <a:ext cx="513506" cy="26630"/>
-        </a:xfrm>
-        <a:custGeom>
-          <a:avLst/>
-          <a:gdLst/>
-          <a:ahLst/>
-          <a:cxnLst/>
-          <a:rect l="0" t="0" r="0" b="0"/>
-          <a:pathLst>
-            <a:path>
-              <a:moveTo>
-                <a:pt x="0" y="13315"/>
-              </a:moveTo>
-              <a:lnTo>
-                <a:pt x="513506" y="13315"/>
-              </a:lnTo>
-            </a:path>
-          </a:pathLst>
-        </a:custGeom>
-        <a:noFill/>
-        <a:ln w="12700" cap="flat" cmpd="sng" algn="ctr">
-          <a:solidFill>
-            <a:schemeClr val="accent3">
-              <a:hueOff val="0"/>
-              <a:satOff val="0"/>
-              <a:lumOff val="0"/>
-              <a:alphaOff val="0"/>
-            </a:schemeClr>
-          </a:solidFill>
-          <a:prstDash val="solid"/>
-          <a:miter lim="800000"/>
-        </a:ln>
-        <a:effectLst/>
-        <a:scene3d>
-          <a:camera prst="orthographicFront"/>
-          <a:lightRig rig="chilly" dir="t"/>
-        </a:scene3d>
-        <a:sp3d z="-40000" prstMaterial="matte"/>
-      </dsp:spPr>
-      <dsp:style>
-        <a:lnRef idx="2">
-          <a:scrgbClr r="0" g="0" b="0"/>
-        </a:lnRef>
-        <a:fillRef idx="0">
-          <a:scrgbClr r="0" g="0" b="0"/>
-        </a:fillRef>
-        <a:effectRef idx="0">
-          <a:scrgbClr r="0" g="0" b="0"/>
-        </a:effectRef>
-        <a:fontRef idx="minor"/>
-      </dsp:style>
-      <dsp:txBody>
-        <a:bodyPr spcFirstLastPara="0" vert="horz" wrap="square" lIns="12700" tIns="0" rIns="12700" bIns="0" numCol="1" spcCol="1270" anchor="ctr" anchorCtr="0">
-          <a:noAutofit/>
-        </a:bodyPr>
-        <a:lstStyle/>
-        <a:p>
-          <a:pPr lvl="0" algn="ctr" defTabSz="222250">
-            <a:lnSpc>
-              <a:spcPct val="90000"/>
-            </a:lnSpc>
-            <a:spcBef>
-              <a:spcPct val="0"/>
-            </a:spcBef>
-            <a:spcAft>
-              <a:spcPct val="35000"/>
-            </a:spcAft>
-          </a:pPr>
-          <a:endParaRPr lang="fr-FR" sz="500" kern="1200"/>
-        </a:p>
-      </dsp:txBody>
-      <dsp:txXfrm>
-        <a:off x="3527168" y="1418264"/>
-        <a:ext cx="25675" cy="25675"/>
-      </dsp:txXfrm>
-    </dsp:sp>
-    <dsp:sp modelId="{454C750A-6C8B-4E77-AC68-3C23219529D1}">
-      <dsp:nvSpPr>
-        <dsp:cNvPr id="0" name=""/>
-        <dsp:cNvSpPr/>
-      </dsp:nvSpPr>
-      <dsp:spPr>
-        <a:xfrm>
-          <a:off x="3796759" y="1110160"/>
-          <a:ext cx="1283765" cy="641882"/>
-        </a:xfrm>
-        <a:prstGeom prst="roundRect">
-          <a:avLst>
-            <a:gd name="adj" fmla="val 10000"/>
-          </a:avLst>
-        </a:prstGeom>
-        <a:solidFill>
-          <a:schemeClr val="accent3">
-            <a:hueOff val="0"/>
-            <a:satOff val="0"/>
-            <a:lumOff val="0"/>
-            <a:alphaOff val="0"/>
-          </a:schemeClr>
-        </a:solidFill>
-        <a:ln>
-          <a:noFill/>
-        </a:ln>
-        <a:effectLst/>
-        <a:scene3d>
-          <a:camera prst="orthographicFront"/>
-          <a:lightRig rig="chilly" dir="t"/>
-        </a:scene3d>
-        <a:sp3d prstMaterial="translucentPowder">
-          <a:bevelT w="127000" h="25400" prst="softRound"/>
-        </a:sp3d>
-      </dsp:spPr>
-      <dsp:style>
-        <a:lnRef idx="0">
-          <a:scrgbClr r="0" g="0" b="0"/>
-        </a:lnRef>
-        <a:fillRef idx="1">
-          <a:scrgbClr r="0" g="0" b="0"/>
-        </a:fillRef>
-        <a:effectRef idx="0">
-          <a:scrgbClr r="0" g="0" b="0"/>
-        </a:effectRef>
-        <a:fontRef idx="minor">
-          <a:schemeClr val="lt1"/>
-        </a:fontRef>
-      </dsp:style>
-      <dsp:txBody>
-        <a:bodyPr spcFirstLastPara="0" vert="horz" wrap="square" lIns="12700" tIns="12700" rIns="12700" bIns="12700" numCol="1" spcCol="1270" anchor="ctr" anchorCtr="0">
-          <a:noAutofit/>
-        </a:bodyPr>
-        <a:lstStyle/>
-        <a:p>
-          <a:pPr lvl="0" algn="ctr" defTabSz="889000">
-            <a:lnSpc>
-              <a:spcPct val="90000"/>
-            </a:lnSpc>
-            <a:spcBef>
-              <a:spcPct val="0"/>
-            </a:spcBef>
-            <a:spcAft>
-              <a:spcPct val="35000"/>
-            </a:spcAft>
-          </a:pPr>
-          <a:r>
-            <a:rPr lang="fr-FR" sz="2000" kern="1200" dirty="0" smtClean="0"/>
-            <a:t>TSM</a:t>
-          </a:r>
-          <a:endParaRPr lang="fr-FR" sz="2000" kern="1200" dirty="0"/>
-        </a:p>
-      </dsp:txBody>
-      <dsp:txXfrm>
-        <a:off x="3815559" y="1128960"/>
-        <a:ext cx="1246165" cy="604282"/>
-      </dsp:txXfrm>
-    </dsp:sp>
-    <dsp:sp modelId="{757C5870-0BF1-4DB8-8166-AAEAAD195A00}">
-      <dsp:nvSpPr>
-        <dsp:cNvPr id="0" name=""/>
-        <dsp:cNvSpPr/>
-      </dsp:nvSpPr>
-      <dsp:spPr>
-        <a:xfrm rot="3310531">
-          <a:off x="3090402" y="1786869"/>
-          <a:ext cx="899208" cy="26630"/>
-        </a:xfrm>
-        <a:custGeom>
-          <a:avLst/>
-          <a:gdLst/>
-          <a:ahLst/>
-          <a:cxnLst/>
-          <a:rect l="0" t="0" r="0" b="0"/>
-          <a:pathLst>
-            <a:path>
-              <a:moveTo>
-                <a:pt x="0" y="13315"/>
-              </a:moveTo>
-              <a:lnTo>
-                <a:pt x="899208" y="13315"/>
-              </a:lnTo>
-            </a:path>
-          </a:pathLst>
-        </a:custGeom>
-        <a:noFill/>
-        <a:ln w="12700" cap="flat" cmpd="sng" algn="ctr">
-          <a:solidFill>
-            <a:schemeClr val="accent3">
-              <a:hueOff val="0"/>
-              <a:satOff val="0"/>
-              <a:lumOff val="0"/>
-              <a:alphaOff val="0"/>
-            </a:schemeClr>
-          </a:solidFill>
-          <a:prstDash val="solid"/>
-          <a:miter lim="800000"/>
-        </a:ln>
-        <a:effectLst/>
-        <a:scene3d>
-          <a:camera prst="orthographicFront"/>
-          <a:lightRig rig="chilly" dir="t"/>
-        </a:scene3d>
-        <a:sp3d z="-40000" prstMaterial="matte"/>
-      </dsp:spPr>
-      <dsp:style>
-        <a:lnRef idx="2">
-          <a:scrgbClr r="0" g="0" b="0"/>
-        </a:lnRef>
-        <a:fillRef idx="0">
-          <a:scrgbClr r="0" g="0" b="0"/>
-        </a:fillRef>
-        <a:effectRef idx="0">
-          <a:scrgbClr r="0" g="0" b="0"/>
-        </a:effectRef>
-        <a:fontRef idx="minor"/>
-      </dsp:style>
-      <dsp:txBody>
-        <a:bodyPr spcFirstLastPara="0" vert="horz" wrap="square" lIns="12700" tIns="0" rIns="12700" bIns="0" numCol="1" spcCol="1270" anchor="ctr" anchorCtr="0">
-          <a:noAutofit/>
-        </a:bodyPr>
-        <a:lstStyle/>
-        <a:p>
-          <a:pPr lvl="0" algn="ctr" defTabSz="222250">
-            <a:lnSpc>
-              <a:spcPct val="90000"/>
-            </a:lnSpc>
-            <a:spcBef>
-              <a:spcPct val="0"/>
-            </a:spcBef>
-            <a:spcAft>
-              <a:spcPct val="35000"/>
-            </a:spcAft>
-          </a:pPr>
-          <a:endParaRPr lang="fr-FR" sz="500" kern="1200"/>
-        </a:p>
-      </dsp:txBody>
-      <dsp:txXfrm>
-        <a:off x="3517526" y="1777704"/>
-        <a:ext cx="44960" cy="44960"/>
-      </dsp:txXfrm>
-    </dsp:sp>
-    <dsp:sp modelId="{C12DCB37-E195-497B-AC71-D2F010A04E7B}">
-      <dsp:nvSpPr>
-        <dsp:cNvPr id="0" name=""/>
-        <dsp:cNvSpPr/>
-      </dsp:nvSpPr>
-      <dsp:spPr>
-        <a:xfrm>
-          <a:off x="3796759" y="1848325"/>
-          <a:ext cx="1283765" cy="641882"/>
-        </a:xfrm>
-        <a:prstGeom prst="roundRect">
-          <a:avLst>
-            <a:gd name="adj" fmla="val 10000"/>
-          </a:avLst>
-        </a:prstGeom>
-        <a:solidFill>
-          <a:schemeClr val="accent3">
-            <a:hueOff val="0"/>
-            <a:satOff val="0"/>
-            <a:lumOff val="0"/>
-            <a:alphaOff val="0"/>
-          </a:schemeClr>
-        </a:solidFill>
-        <a:ln>
-          <a:noFill/>
-        </a:ln>
-        <a:effectLst/>
-        <a:scene3d>
-          <a:camera prst="orthographicFront"/>
-          <a:lightRig rig="chilly" dir="t"/>
-        </a:scene3d>
-        <a:sp3d prstMaterial="translucentPowder">
-          <a:bevelT w="127000" h="25400" prst="softRound"/>
-        </a:sp3d>
-      </dsp:spPr>
-      <dsp:style>
-        <a:lnRef idx="0">
-          <a:scrgbClr r="0" g="0" b="0"/>
-        </a:lnRef>
-        <a:fillRef idx="1">
-          <a:scrgbClr r="0" g="0" b="0"/>
-        </a:fillRef>
-        <a:effectRef idx="0">
-          <a:scrgbClr r="0" g="0" b="0"/>
-        </a:effectRef>
-        <a:fontRef idx="minor">
-          <a:schemeClr val="lt1"/>
-        </a:fontRef>
-      </dsp:style>
-      <dsp:txBody>
-        <a:bodyPr spcFirstLastPara="0" vert="horz" wrap="square" lIns="12700" tIns="12700" rIns="12700" bIns="12700" numCol="1" spcCol="1270" anchor="ctr" anchorCtr="0">
-          <a:noAutofit/>
-        </a:bodyPr>
-        <a:lstStyle/>
-        <a:p>
-          <a:pPr lvl="0" algn="ctr" defTabSz="889000">
-            <a:lnSpc>
-              <a:spcPct val="90000"/>
-            </a:lnSpc>
-            <a:spcBef>
-              <a:spcPct val="0"/>
-            </a:spcBef>
-            <a:spcAft>
-              <a:spcPct val="35000"/>
-            </a:spcAft>
-          </a:pPr>
-          <a:r>
-            <a:rPr lang="fr-FR" sz="2000" kern="1200" dirty="0" smtClean="0"/>
-            <a:t>STMSM</a:t>
-          </a:r>
-          <a:endParaRPr lang="fr-FR" sz="2000" kern="1200" dirty="0"/>
-        </a:p>
-      </dsp:txBody>
-      <dsp:txXfrm>
-        <a:off x="3815559" y="1867125"/>
-        <a:ext cx="1246165" cy="604282"/>
-      </dsp:txXfrm>
-    </dsp:sp>
-    <dsp:sp modelId="{57788F5B-D79D-484D-B5E0-0C0926421851}">
-      <dsp:nvSpPr>
-        <dsp:cNvPr id="0" name=""/>
-        <dsp:cNvSpPr/>
-      </dsp:nvSpPr>
-      <dsp:spPr>
-        <a:xfrm rot="17132988">
-          <a:off x="4379515" y="1233245"/>
-          <a:ext cx="1915525" cy="26630"/>
-        </a:xfrm>
-        <a:custGeom>
-          <a:avLst/>
-          <a:gdLst/>
-          <a:ahLst/>
-          <a:cxnLst/>
-          <a:rect l="0" t="0" r="0" b="0"/>
-          <a:pathLst>
-            <a:path>
-              <a:moveTo>
-                <a:pt x="0" y="13315"/>
-              </a:moveTo>
-              <a:lnTo>
-                <a:pt x="1915525" y="13315"/>
-              </a:lnTo>
-            </a:path>
-          </a:pathLst>
-        </a:custGeom>
-        <a:noFill/>
-        <a:ln w="12700" cap="flat" cmpd="sng" algn="ctr">
-          <a:solidFill>
-            <a:schemeClr val="accent4">
-              <a:hueOff val="0"/>
-              <a:satOff val="0"/>
-              <a:lumOff val="0"/>
-              <a:alphaOff val="0"/>
-            </a:schemeClr>
-          </a:solidFill>
-          <a:prstDash val="solid"/>
-          <a:miter lim="800000"/>
-        </a:ln>
-        <a:effectLst/>
-        <a:scene3d>
-          <a:camera prst="orthographicFront"/>
-          <a:lightRig rig="chilly" dir="t"/>
-        </a:scene3d>
-        <a:sp3d z="-40000" prstMaterial="matte"/>
-      </dsp:spPr>
-      <dsp:style>
-        <a:lnRef idx="2">
-          <a:scrgbClr r="0" g="0" b="0"/>
-        </a:lnRef>
-        <a:fillRef idx="0">
-          <a:scrgbClr r="0" g="0" b="0"/>
-        </a:fillRef>
-        <a:effectRef idx="0">
-          <a:scrgbClr r="0" g="0" b="0"/>
-        </a:effectRef>
-        <a:fontRef idx="minor"/>
-      </dsp:style>
-      <dsp:txBody>
-        <a:bodyPr spcFirstLastPara="0" vert="horz" wrap="square" lIns="12700" tIns="0" rIns="12700" bIns="0" numCol="1" spcCol="1270" anchor="ctr" anchorCtr="0">
-          <a:noAutofit/>
-        </a:bodyPr>
-        <a:lstStyle/>
-        <a:p>
-          <a:pPr lvl="0" algn="ctr" defTabSz="266700">
-            <a:lnSpc>
-              <a:spcPct val="90000"/>
-            </a:lnSpc>
-            <a:spcBef>
-              <a:spcPct val="0"/>
-            </a:spcBef>
-            <a:spcAft>
-              <a:spcPct val="35000"/>
-            </a:spcAft>
-          </a:pPr>
-          <a:endParaRPr lang="fr-FR" sz="600" kern="1200"/>
-        </a:p>
-      </dsp:txBody>
-      <dsp:txXfrm>
-        <a:off x="5289389" y="1198672"/>
-        <a:ext cx="95776" cy="95776"/>
-      </dsp:txXfrm>
-    </dsp:sp>
-    <dsp:sp modelId="{A5F31830-C055-4ABD-81FB-5BB000B40DAF}">
-      <dsp:nvSpPr>
-        <dsp:cNvPr id="0" name=""/>
-        <dsp:cNvSpPr/>
-      </dsp:nvSpPr>
-      <dsp:spPr>
-        <a:xfrm>
-          <a:off x="5594031" y="2912"/>
-          <a:ext cx="3654418" cy="641882"/>
-        </a:xfrm>
-        <a:prstGeom prst="roundRect">
-          <a:avLst>
-            <a:gd name="adj" fmla="val 10000"/>
-          </a:avLst>
-        </a:prstGeom>
-        <a:solidFill>
-          <a:schemeClr val="accent4">
-            <a:hueOff val="0"/>
-            <a:satOff val="0"/>
-            <a:lumOff val="0"/>
-            <a:alphaOff val="0"/>
-          </a:schemeClr>
-        </a:solidFill>
-        <a:ln>
-          <a:noFill/>
-        </a:ln>
-        <a:effectLst/>
-        <a:scene3d>
-          <a:camera prst="orthographicFront"/>
-          <a:lightRig rig="chilly" dir="t"/>
-        </a:scene3d>
-        <a:sp3d prstMaterial="translucentPowder">
-          <a:bevelT w="127000" h="25400" prst="softRound"/>
-        </a:sp3d>
-      </dsp:spPr>
-      <dsp:style>
-        <a:lnRef idx="0">
-          <a:scrgbClr r="0" g="0" b="0"/>
-        </a:lnRef>
-        <a:fillRef idx="1">
-          <a:scrgbClr r="0" g="0" b="0"/>
-        </a:fillRef>
-        <a:effectRef idx="0">
-          <a:scrgbClr r="0" g="0" b="0"/>
-        </a:effectRef>
-        <a:fontRef idx="minor">
-          <a:schemeClr val="lt1"/>
-        </a:fontRef>
-      </dsp:style>
-      <dsp:txBody>
-        <a:bodyPr spcFirstLastPara="0" vert="horz" wrap="square" lIns="12700" tIns="12700" rIns="12700" bIns="12700" numCol="1" spcCol="1270" anchor="ctr" anchorCtr="0">
-          <a:noAutofit/>
-        </a:bodyPr>
-        <a:lstStyle/>
-        <a:p>
-          <a:pPr lvl="0" algn="ctr" defTabSz="889000">
-            <a:lnSpc>
-              <a:spcPct val="90000"/>
-            </a:lnSpc>
-            <a:spcBef>
-              <a:spcPct val="0"/>
-            </a:spcBef>
-            <a:spcAft>
-              <a:spcPct val="35000"/>
-            </a:spcAft>
-          </a:pPr>
-          <a:r>
-            <a:rPr lang="fr-FR" sz="2000" kern="1200" dirty="0" smtClean="0"/>
-            <a:t>STMD(ESTMD)</a:t>
-          </a:r>
-          <a:endParaRPr lang="fr-FR" sz="2000" kern="1200" dirty="0"/>
-        </a:p>
-      </dsp:txBody>
-      <dsp:txXfrm>
-        <a:off x="5612831" y="21712"/>
-        <a:ext cx="3616818" cy="604282"/>
-      </dsp:txXfrm>
-    </dsp:sp>
-    <dsp:sp modelId="{0D5AC9D9-76B7-40A4-8BF8-3013117605A7}">
-      <dsp:nvSpPr>
-        <dsp:cNvPr id="0" name=""/>
-        <dsp:cNvSpPr/>
-      </dsp:nvSpPr>
-      <dsp:spPr>
-        <a:xfrm rot="17692822">
-          <a:off x="4727014" y="1602327"/>
-          <a:ext cx="1220526" cy="26630"/>
-        </a:xfrm>
-        <a:custGeom>
-          <a:avLst/>
-          <a:gdLst/>
-          <a:ahLst/>
-          <a:cxnLst/>
-          <a:rect l="0" t="0" r="0" b="0"/>
-          <a:pathLst>
-            <a:path>
-              <a:moveTo>
-                <a:pt x="0" y="13315"/>
-              </a:moveTo>
-              <a:lnTo>
-                <a:pt x="1220526" y="13315"/>
-              </a:lnTo>
-            </a:path>
-          </a:pathLst>
-        </a:custGeom>
-        <a:noFill/>
-        <a:ln w="12700" cap="flat" cmpd="sng" algn="ctr">
-          <a:solidFill>
-            <a:schemeClr val="accent4">
-              <a:hueOff val="0"/>
-              <a:satOff val="0"/>
-              <a:lumOff val="0"/>
-              <a:alphaOff val="0"/>
-            </a:schemeClr>
-          </a:solidFill>
-          <a:prstDash val="solid"/>
-          <a:miter lim="800000"/>
-        </a:ln>
-        <a:effectLst/>
-        <a:scene3d>
-          <a:camera prst="orthographicFront"/>
-          <a:lightRig rig="chilly" dir="t"/>
-        </a:scene3d>
-        <a:sp3d z="-40000" prstMaterial="matte"/>
-      </dsp:spPr>
-      <dsp:style>
-        <a:lnRef idx="2">
-          <a:scrgbClr r="0" g="0" b="0"/>
-        </a:lnRef>
-        <a:fillRef idx="0">
-          <a:scrgbClr r="0" g="0" b="0"/>
-        </a:fillRef>
-        <a:effectRef idx="0">
-          <a:scrgbClr r="0" g="0" b="0"/>
-        </a:effectRef>
-        <a:fontRef idx="minor"/>
-      </dsp:style>
-      <dsp:txBody>
-        <a:bodyPr spcFirstLastPara="0" vert="horz" wrap="square" lIns="12700" tIns="0" rIns="12700" bIns="0" numCol="1" spcCol="1270" anchor="ctr" anchorCtr="0">
-          <a:noAutofit/>
-        </a:bodyPr>
-        <a:lstStyle/>
-        <a:p>
-          <a:pPr lvl="0" algn="ctr" defTabSz="222250">
-            <a:lnSpc>
-              <a:spcPct val="90000"/>
-            </a:lnSpc>
-            <a:spcBef>
-              <a:spcPct val="0"/>
-            </a:spcBef>
-            <a:spcAft>
-              <a:spcPct val="35000"/>
-            </a:spcAft>
-          </a:pPr>
-          <a:endParaRPr lang="fr-FR" sz="500" kern="1200"/>
-        </a:p>
-      </dsp:txBody>
-      <dsp:txXfrm>
-        <a:off x="5306764" y="1585129"/>
-        <a:ext cx="61026" cy="61026"/>
-      </dsp:txXfrm>
-    </dsp:sp>
-    <dsp:sp modelId="{544739E1-4036-46EB-8133-05E993F0A7DF}">
-      <dsp:nvSpPr>
-        <dsp:cNvPr id="0" name=""/>
-        <dsp:cNvSpPr/>
-      </dsp:nvSpPr>
-      <dsp:spPr>
-        <a:xfrm>
-          <a:off x="5594031" y="741077"/>
-          <a:ext cx="3693598" cy="641882"/>
-        </a:xfrm>
-        <a:prstGeom prst="roundRect">
-          <a:avLst>
-            <a:gd name="adj" fmla="val 10000"/>
-          </a:avLst>
-        </a:prstGeom>
-        <a:solidFill>
-          <a:schemeClr val="accent4">
-            <a:hueOff val="0"/>
-            <a:satOff val="0"/>
-            <a:lumOff val="0"/>
-            <a:alphaOff val="0"/>
-          </a:schemeClr>
-        </a:solidFill>
-        <a:ln>
-          <a:noFill/>
-        </a:ln>
-        <a:effectLst/>
-        <a:scene3d>
-          <a:camera prst="orthographicFront"/>
-          <a:lightRig rig="chilly" dir="t"/>
-        </a:scene3d>
-        <a:sp3d prstMaterial="translucentPowder">
-          <a:bevelT w="127000" h="25400" prst="softRound"/>
-        </a:sp3d>
-      </dsp:spPr>
-      <dsp:style>
-        <a:lnRef idx="0">
-          <a:scrgbClr r="0" g="0" b="0"/>
-        </a:lnRef>
-        <a:fillRef idx="1">
-          <a:scrgbClr r="0" g="0" b="0"/>
-        </a:fillRef>
-        <a:effectRef idx="0">
-          <a:scrgbClr r="0" g="0" b="0"/>
-        </a:effectRef>
-        <a:fontRef idx="minor">
-          <a:schemeClr val="lt1"/>
-        </a:fontRef>
-      </dsp:style>
-      <dsp:txBody>
-        <a:bodyPr spcFirstLastPara="0" vert="horz" wrap="square" lIns="12700" tIns="12700" rIns="12700" bIns="12700" numCol="1" spcCol="1270" anchor="ctr" anchorCtr="0">
-          <a:noAutofit/>
-        </a:bodyPr>
-        <a:lstStyle/>
-        <a:p>
-          <a:pPr lvl="0" algn="ctr" defTabSz="889000">
-            <a:lnSpc>
-              <a:spcPct val="90000"/>
-            </a:lnSpc>
-            <a:spcBef>
-              <a:spcPct val="0"/>
-            </a:spcBef>
-            <a:spcAft>
-              <a:spcPct val="35000"/>
-            </a:spcAft>
-          </a:pPr>
-          <a:r>
-            <a:rPr lang="fr-FR" sz="2000" kern="1200" dirty="0" smtClean="0"/>
-            <a:t>ESTMD-EMD &amp; EMD-ESTMD</a:t>
-          </a:r>
-          <a:endParaRPr lang="fr-FR" sz="2000" kern="1200" dirty="0"/>
-        </a:p>
-      </dsp:txBody>
-      <dsp:txXfrm>
-        <a:off x="5612831" y="759877"/>
-        <a:ext cx="3655998" cy="604282"/>
-      </dsp:txXfrm>
-    </dsp:sp>
-    <dsp:sp modelId="{B323BD5F-CACC-40AC-9441-FA969C272EB4}">
-      <dsp:nvSpPr>
-        <dsp:cNvPr id="0" name=""/>
-        <dsp:cNvSpPr/>
-      </dsp:nvSpPr>
-      <dsp:spPr>
-        <a:xfrm rot="19457599">
-          <a:off x="5021085" y="1971410"/>
-          <a:ext cx="632384" cy="26630"/>
-        </a:xfrm>
-        <a:custGeom>
-          <a:avLst/>
-          <a:gdLst/>
-          <a:ahLst/>
-          <a:cxnLst/>
-          <a:rect l="0" t="0" r="0" b="0"/>
-          <a:pathLst>
-            <a:path>
-              <a:moveTo>
-                <a:pt x="0" y="13315"/>
-              </a:moveTo>
-              <a:lnTo>
-                <a:pt x="632384" y="13315"/>
-              </a:lnTo>
-            </a:path>
-          </a:pathLst>
-        </a:custGeom>
-        <a:noFill/>
-        <a:ln w="12700" cap="flat" cmpd="sng" algn="ctr">
-          <a:solidFill>
-            <a:schemeClr val="accent4">
-              <a:hueOff val="0"/>
-              <a:satOff val="0"/>
-              <a:lumOff val="0"/>
-              <a:alphaOff val="0"/>
-            </a:schemeClr>
-          </a:solidFill>
-          <a:prstDash val="solid"/>
-          <a:miter lim="800000"/>
-        </a:ln>
-        <a:effectLst/>
-        <a:scene3d>
-          <a:camera prst="orthographicFront"/>
-          <a:lightRig rig="chilly" dir="t"/>
-        </a:scene3d>
-        <a:sp3d z="-40000" prstMaterial="matte"/>
-      </dsp:spPr>
-      <dsp:style>
-        <a:lnRef idx="2">
-          <a:scrgbClr r="0" g="0" b="0"/>
-        </a:lnRef>
-        <a:fillRef idx="0">
-          <a:scrgbClr r="0" g="0" b="0"/>
-        </a:fillRef>
-        <a:effectRef idx="0">
-          <a:scrgbClr r="0" g="0" b="0"/>
-        </a:effectRef>
-        <a:fontRef idx="minor"/>
-      </dsp:style>
-      <dsp:txBody>
-        <a:bodyPr spcFirstLastPara="0" vert="horz" wrap="square" lIns="12700" tIns="0" rIns="12700" bIns="0" numCol="1" spcCol="1270" anchor="ctr" anchorCtr="0">
-          <a:noAutofit/>
-        </a:bodyPr>
-        <a:lstStyle/>
-        <a:p>
-          <a:pPr lvl="0" algn="ctr" defTabSz="222250">
-            <a:lnSpc>
-              <a:spcPct val="90000"/>
-            </a:lnSpc>
-            <a:spcBef>
-              <a:spcPct val="0"/>
-            </a:spcBef>
-            <a:spcAft>
-              <a:spcPct val="35000"/>
-            </a:spcAft>
-          </a:pPr>
-          <a:endParaRPr lang="fr-FR" sz="500" kern="1200"/>
-        </a:p>
-      </dsp:txBody>
-      <dsp:txXfrm>
-        <a:off x="5321468" y="1968916"/>
-        <a:ext cx="31619" cy="31619"/>
-      </dsp:txXfrm>
-    </dsp:sp>
-    <dsp:sp modelId="{023DFF8B-5156-4927-BB3F-EF20AB885D41}">
-      <dsp:nvSpPr>
-        <dsp:cNvPr id="0" name=""/>
-        <dsp:cNvSpPr/>
-      </dsp:nvSpPr>
-      <dsp:spPr>
-        <a:xfrm>
-          <a:off x="5594031" y="1479243"/>
-          <a:ext cx="3755951" cy="641882"/>
-        </a:xfrm>
-        <a:prstGeom prst="roundRect">
-          <a:avLst>
-            <a:gd name="adj" fmla="val 10000"/>
-          </a:avLst>
-        </a:prstGeom>
-        <a:solidFill>
-          <a:schemeClr val="accent4">
-            <a:hueOff val="0"/>
-            <a:satOff val="0"/>
-            <a:lumOff val="0"/>
-            <a:alphaOff val="0"/>
-          </a:schemeClr>
-        </a:solidFill>
-        <a:ln>
-          <a:noFill/>
-        </a:ln>
-        <a:effectLst/>
-        <a:scene3d>
-          <a:camera prst="orthographicFront"/>
-          <a:lightRig rig="chilly" dir="t"/>
-        </a:scene3d>
-        <a:sp3d prstMaterial="translucentPowder">
-          <a:bevelT w="127000" h="25400" prst="softRound"/>
-        </a:sp3d>
-      </dsp:spPr>
-      <dsp:style>
-        <a:lnRef idx="0">
-          <a:scrgbClr r="0" g="0" b="0"/>
-        </a:lnRef>
-        <a:fillRef idx="1">
-          <a:scrgbClr r="0" g="0" b="0"/>
-        </a:fillRef>
-        <a:effectRef idx="0">
-          <a:scrgbClr r="0" g="0" b="0"/>
-        </a:effectRef>
-        <a:fontRef idx="minor">
-          <a:schemeClr val="lt1"/>
-        </a:fontRef>
-      </dsp:style>
-      <dsp:txBody>
-        <a:bodyPr spcFirstLastPara="0" vert="horz" wrap="square" lIns="12700" tIns="12700" rIns="12700" bIns="12700" numCol="1" spcCol="1270" anchor="ctr" anchorCtr="0">
-          <a:noAutofit/>
-        </a:bodyPr>
-        <a:lstStyle/>
-        <a:p>
-          <a:pPr lvl="0" algn="ctr" defTabSz="889000">
-            <a:lnSpc>
-              <a:spcPct val="90000"/>
-            </a:lnSpc>
-            <a:spcBef>
-              <a:spcPct val="0"/>
-            </a:spcBef>
-            <a:spcAft>
-              <a:spcPct val="35000"/>
-            </a:spcAft>
-          </a:pPr>
-          <a:r>
-            <a:rPr lang="fr-FR" sz="2000" kern="1200" dirty="0" smtClean="0"/>
-            <a:t>Feedback-ESTMD</a:t>
-          </a:r>
-          <a:endParaRPr lang="fr-FR" sz="2000" kern="1200" dirty="0"/>
-        </a:p>
-      </dsp:txBody>
-      <dsp:txXfrm>
-        <a:off x="5612831" y="1498043"/>
-        <a:ext cx="3718351" cy="604282"/>
-      </dsp:txXfrm>
-    </dsp:sp>
-    <dsp:sp modelId="{6393270E-11D7-438A-8E02-71BC0A6A3161}">
-      <dsp:nvSpPr>
-        <dsp:cNvPr id="0" name=""/>
-        <dsp:cNvSpPr/>
-      </dsp:nvSpPr>
-      <dsp:spPr>
-        <a:xfrm rot="2142401">
-          <a:off x="5021085" y="2340492"/>
-          <a:ext cx="632384" cy="26630"/>
-        </a:xfrm>
-        <a:custGeom>
-          <a:avLst/>
-          <a:gdLst/>
-          <a:ahLst/>
-          <a:cxnLst/>
-          <a:rect l="0" t="0" r="0" b="0"/>
-          <a:pathLst>
-            <a:path>
-              <a:moveTo>
-                <a:pt x="0" y="13315"/>
-              </a:moveTo>
-              <a:lnTo>
-                <a:pt x="632384" y="13315"/>
-              </a:lnTo>
-            </a:path>
-          </a:pathLst>
-        </a:custGeom>
-        <a:noFill/>
-        <a:ln w="12700" cap="flat" cmpd="sng" algn="ctr">
-          <a:solidFill>
-            <a:schemeClr val="accent4">
-              <a:hueOff val="0"/>
-              <a:satOff val="0"/>
-              <a:lumOff val="0"/>
-              <a:alphaOff val="0"/>
-            </a:schemeClr>
-          </a:solidFill>
-          <a:prstDash val="solid"/>
-          <a:miter lim="800000"/>
-        </a:ln>
-        <a:effectLst/>
-        <a:scene3d>
-          <a:camera prst="orthographicFront"/>
-          <a:lightRig rig="chilly" dir="t"/>
-        </a:scene3d>
-        <a:sp3d z="-40000" prstMaterial="matte"/>
-      </dsp:spPr>
-      <dsp:style>
-        <a:lnRef idx="2">
-          <a:scrgbClr r="0" g="0" b="0"/>
-        </a:lnRef>
-        <a:fillRef idx="0">
-          <a:scrgbClr r="0" g="0" b="0"/>
-        </a:fillRef>
-        <a:effectRef idx="0">
-          <a:scrgbClr r="0" g="0" b="0"/>
-        </a:effectRef>
-        <a:fontRef idx="minor"/>
-      </dsp:style>
-      <dsp:txBody>
-        <a:bodyPr spcFirstLastPara="0" vert="horz" wrap="square" lIns="12700" tIns="0" rIns="12700" bIns="0" numCol="1" spcCol="1270" anchor="ctr" anchorCtr="0">
-          <a:noAutofit/>
-        </a:bodyPr>
-        <a:lstStyle/>
-        <a:p>
-          <a:pPr lvl="0" algn="ctr" defTabSz="222250">
-            <a:lnSpc>
-              <a:spcPct val="90000"/>
-            </a:lnSpc>
-            <a:spcBef>
-              <a:spcPct val="0"/>
-            </a:spcBef>
-            <a:spcAft>
-              <a:spcPct val="35000"/>
-            </a:spcAft>
-          </a:pPr>
-          <a:endParaRPr lang="fr-FR" sz="500" kern="1200"/>
-        </a:p>
-      </dsp:txBody>
-      <dsp:txXfrm>
-        <a:off x="5321468" y="2337998"/>
-        <a:ext cx="31619" cy="31619"/>
-      </dsp:txXfrm>
-    </dsp:sp>
-    <dsp:sp modelId="{4C4B1196-1238-4573-A116-F116182B8024}">
-      <dsp:nvSpPr>
-        <dsp:cNvPr id="0" name=""/>
-        <dsp:cNvSpPr/>
-      </dsp:nvSpPr>
-      <dsp:spPr>
-        <a:xfrm>
-          <a:off x="5594031" y="2217408"/>
-          <a:ext cx="3762883" cy="641882"/>
-        </a:xfrm>
-        <a:prstGeom prst="roundRect">
-          <a:avLst>
-            <a:gd name="adj" fmla="val 10000"/>
-          </a:avLst>
-        </a:prstGeom>
-        <a:solidFill>
-          <a:schemeClr val="accent4">
-            <a:hueOff val="0"/>
-            <a:satOff val="0"/>
-            <a:lumOff val="0"/>
-            <a:alphaOff val="0"/>
-          </a:schemeClr>
-        </a:solidFill>
-        <a:ln>
-          <a:noFill/>
-        </a:ln>
-        <a:effectLst/>
-        <a:scene3d>
-          <a:camera prst="orthographicFront"/>
-          <a:lightRig rig="chilly" dir="t"/>
-        </a:scene3d>
-        <a:sp3d prstMaterial="translucentPowder">
-          <a:bevelT w="127000" h="25400" prst="softRound"/>
-        </a:sp3d>
-      </dsp:spPr>
-      <dsp:style>
-        <a:lnRef idx="0">
-          <a:scrgbClr r="0" g="0" b="0"/>
-        </a:lnRef>
-        <a:fillRef idx="1">
-          <a:scrgbClr r="0" g="0" b="0"/>
-        </a:fillRef>
-        <a:effectRef idx="0">
-          <a:scrgbClr r="0" g="0" b="0"/>
-        </a:effectRef>
-        <a:fontRef idx="minor">
-          <a:schemeClr val="lt1"/>
-        </a:fontRef>
-      </dsp:style>
-      <dsp:txBody>
-        <a:bodyPr spcFirstLastPara="0" vert="horz" wrap="square" lIns="12700" tIns="12700" rIns="12700" bIns="12700" numCol="1" spcCol="1270" anchor="ctr" anchorCtr="0">
-          <a:noAutofit/>
-        </a:bodyPr>
-        <a:lstStyle/>
-        <a:p>
-          <a:pPr lvl="0" algn="ctr" defTabSz="889000">
-            <a:lnSpc>
-              <a:spcPct val="90000"/>
-            </a:lnSpc>
-            <a:spcBef>
-              <a:spcPct val="0"/>
-            </a:spcBef>
-            <a:spcAft>
-              <a:spcPct val="35000"/>
-            </a:spcAft>
-          </a:pPr>
-          <a:r>
-            <a:rPr lang="fr-FR" sz="2000" kern="1200" dirty="0" smtClean="0"/>
-            <a:t>DSTMD</a:t>
-          </a:r>
-          <a:endParaRPr lang="fr-FR" sz="2000" kern="1200" dirty="0"/>
-        </a:p>
-      </dsp:txBody>
-      <dsp:txXfrm>
-        <a:off x="5612831" y="2236208"/>
-        <a:ext cx="3725283" cy="604282"/>
-      </dsp:txXfrm>
-    </dsp:sp>
-    <dsp:sp modelId="{415B8990-3139-4A53-9627-2E1BB0C842C9}">
-      <dsp:nvSpPr>
-        <dsp:cNvPr id="0" name=""/>
-        <dsp:cNvSpPr/>
-      </dsp:nvSpPr>
-      <dsp:spPr>
-        <a:xfrm rot="4047290">
-          <a:off x="4704754" y="2718812"/>
-          <a:ext cx="1218870" cy="26630"/>
-        </a:xfrm>
-        <a:custGeom>
-          <a:avLst/>
-          <a:gdLst/>
-          <a:ahLst/>
-          <a:cxnLst/>
-          <a:rect l="0" t="0" r="0" b="0"/>
-          <a:pathLst>
-            <a:path>
-              <a:moveTo>
-                <a:pt x="0" y="13315"/>
-              </a:moveTo>
-              <a:lnTo>
-                <a:pt x="1218870" y="13315"/>
-              </a:lnTo>
-            </a:path>
-          </a:pathLst>
-        </a:custGeom>
-        <a:noFill/>
-        <a:ln w="12700" cap="flat" cmpd="sng" algn="ctr">
-          <a:solidFill>
-            <a:schemeClr val="accent4">
-              <a:hueOff val="0"/>
-              <a:satOff val="0"/>
-              <a:lumOff val="0"/>
-              <a:alphaOff val="0"/>
-            </a:schemeClr>
-          </a:solidFill>
-          <a:prstDash val="solid"/>
-          <a:miter lim="800000"/>
-        </a:ln>
-        <a:effectLst/>
-        <a:scene3d>
-          <a:camera prst="orthographicFront"/>
-          <a:lightRig rig="chilly" dir="t"/>
-        </a:scene3d>
-        <a:sp3d z="-40000" prstMaterial="matte"/>
-      </dsp:spPr>
-      <dsp:style>
-        <a:lnRef idx="2">
-          <a:scrgbClr r="0" g="0" b="0"/>
-        </a:lnRef>
-        <a:fillRef idx="0">
-          <a:scrgbClr r="0" g="0" b="0"/>
-        </a:fillRef>
-        <a:effectRef idx="0">
-          <a:scrgbClr r="0" g="0" b="0"/>
-        </a:effectRef>
-        <a:fontRef idx="minor"/>
-      </dsp:style>
-      <dsp:txBody>
-        <a:bodyPr spcFirstLastPara="0" vert="horz" wrap="square" lIns="12700" tIns="0" rIns="12700" bIns="0" numCol="1" spcCol="1270" anchor="ctr" anchorCtr="0">
-          <a:noAutofit/>
-        </a:bodyPr>
-        <a:lstStyle/>
-        <a:p>
-          <a:pPr lvl="0" algn="ctr" defTabSz="222250">
-            <a:lnSpc>
-              <a:spcPct val="90000"/>
-            </a:lnSpc>
-            <a:spcBef>
-              <a:spcPct val="0"/>
-            </a:spcBef>
-            <a:spcAft>
-              <a:spcPct val="35000"/>
-            </a:spcAft>
-          </a:pPr>
-          <a:endParaRPr lang="fr-FR" sz="500" kern="1200"/>
-        </a:p>
-      </dsp:txBody>
-      <dsp:txXfrm>
-        <a:off x="5283717" y="2701655"/>
-        <a:ext cx="60943" cy="60943"/>
-      </dsp:txXfrm>
-    </dsp:sp>
-    <dsp:sp modelId="{6CBBB886-410E-4FD6-9DFC-B80B7EB9F71B}">
-      <dsp:nvSpPr>
-        <dsp:cNvPr id="0" name=""/>
-        <dsp:cNvSpPr/>
-      </dsp:nvSpPr>
-      <dsp:spPr>
-        <a:xfrm>
-          <a:off x="5547854" y="2974046"/>
-          <a:ext cx="3766041" cy="641882"/>
-        </a:xfrm>
-        <a:prstGeom prst="roundRect">
-          <a:avLst>
-            <a:gd name="adj" fmla="val 10000"/>
-          </a:avLst>
-        </a:prstGeom>
-        <a:solidFill>
-          <a:schemeClr val="accent4">
-            <a:hueOff val="0"/>
-            <a:satOff val="0"/>
-            <a:lumOff val="0"/>
-            <a:alphaOff val="0"/>
-          </a:schemeClr>
-        </a:solidFill>
-        <a:ln>
-          <a:noFill/>
-        </a:ln>
-        <a:effectLst/>
-        <a:scene3d>
-          <a:camera prst="orthographicFront"/>
-          <a:lightRig rig="chilly" dir="t"/>
-        </a:scene3d>
-        <a:sp3d prstMaterial="translucentPowder">
-          <a:bevelT w="127000" h="25400" prst="softRound"/>
-        </a:sp3d>
-      </dsp:spPr>
-      <dsp:style>
-        <a:lnRef idx="0">
-          <a:scrgbClr r="0" g="0" b="0"/>
-        </a:lnRef>
-        <a:fillRef idx="1">
-          <a:scrgbClr r="0" g="0" b="0"/>
-        </a:fillRef>
-        <a:effectRef idx="0">
-          <a:scrgbClr r="0" g="0" b="0"/>
-        </a:effectRef>
-        <a:fontRef idx="minor">
-          <a:schemeClr val="lt1"/>
-        </a:fontRef>
-      </dsp:style>
-      <dsp:txBody>
-        <a:bodyPr spcFirstLastPara="0" vert="horz" wrap="square" lIns="12700" tIns="12700" rIns="12700" bIns="12700" numCol="1" spcCol="1270" anchor="ctr" anchorCtr="0">
-          <a:noAutofit/>
-        </a:bodyPr>
-        <a:lstStyle/>
-        <a:p>
-          <a:pPr lvl="0" algn="ctr" defTabSz="889000">
-            <a:lnSpc>
-              <a:spcPct val="90000"/>
-            </a:lnSpc>
-            <a:spcBef>
-              <a:spcPct val="0"/>
-            </a:spcBef>
-            <a:spcAft>
-              <a:spcPct val="35000"/>
-            </a:spcAft>
-          </a:pPr>
-          <a:r>
-            <a:rPr lang="fr-FR" sz="2000" kern="1200" dirty="0" smtClean="0"/>
-            <a:t>STMD+</a:t>
-          </a:r>
-          <a:endParaRPr lang="fr-FR" sz="2000" kern="1200" dirty="0"/>
-        </a:p>
-      </dsp:txBody>
-      <dsp:txXfrm>
-        <a:off x="5566654" y="2992846"/>
-        <a:ext cx="3728441" cy="604282"/>
-      </dsp:txXfrm>
-    </dsp:sp>
-    <dsp:sp modelId="{4B3B431C-A18B-4F5F-BC07-4096CCA408A2}">
-      <dsp:nvSpPr>
-        <dsp:cNvPr id="0" name=""/>
-        <dsp:cNvSpPr/>
-      </dsp:nvSpPr>
-      <dsp:spPr>
-        <a:xfrm rot="4467012">
-          <a:off x="4379515" y="3078657"/>
-          <a:ext cx="1915525" cy="26630"/>
-        </a:xfrm>
-        <a:custGeom>
-          <a:avLst/>
-          <a:gdLst/>
-          <a:ahLst/>
-          <a:cxnLst/>
-          <a:rect l="0" t="0" r="0" b="0"/>
-          <a:pathLst>
-            <a:path>
-              <a:moveTo>
-                <a:pt x="0" y="13315"/>
-              </a:moveTo>
-              <a:lnTo>
-                <a:pt x="1915525" y="13315"/>
-              </a:lnTo>
-            </a:path>
-          </a:pathLst>
-        </a:custGeom>
-        <a:noFill/>
-        <a:ln w="12700" cap="flat" cmpd="sng" algn="ctr">
-          <a:solidFill>
-            <a:schemeClr val="accent4">
-              <a:hueOff val="0"/>
-              <a:satOff val="0"/>
-              <a:lumOff val="0"/>
-              <a:alphaOff val="0"/>
-            </a:schemeClr>
-          </a:solidFill>
-          <a:prstDash val="solid"/>
-          <a:miter lim="800000"/>
-        </a:ln>
-        <a:effectLst/>
-        <a:scene3d>
-          <a:camera prst="orthographicFront"/>
-          <a:lightRig rig="chilly" dir="t"/>
-        </a:scene3d>
-        <a:sp3d z="-40000" prstMaterial="matte"/>
-      </dsp:spPr>
-      <dsp:style>
-        <a:lnRef idx="2">
-          <a:scrgbClr r="0" g="0" b="0"/>
-        </a:lnRef>
-        <a:fillRef idx="0">
-          <a:scrgbClr r="0" g="0" b="0"/>
-        </a:fillRef>
-        <a:effectRef idx="0">
-          <a:scrgbClr r="0" g="0" b="0"/>
-        </a:effectRef>
-        <a:fontRef idx="minor"/>
-      </dsp:style>
-      <dsp:txBody>
-        <a:bodyPr spcFirstLastPara="0" vert="horz" wrap="square" lIns="12700" tIns="0" rIns="12700" bIns="0" numCol="1" spcCol="1270" anchor="ctr" anchorCtr="0">
-          <a:noAutofit/>
-        </a:bodyPr>
-        <a:lstStyle/>
-        <a:p>
-          <a:pPr lvl="0" algn="ctr" defTabSz="266700">
-            <a:lnSpc>
-              <a:spcPct val="90000"/>
-            </a:lnSpc>
-            <a:spcBef>
-              <a:spcPct val="0"/>
-            </a:spcBef>
-            <a:spcAft>
-              <a:spcPct val="35000"/>
-            </a:spcAft>
-          </a:pPr>
-          <a:endParaRPr lang="fr-FR" sz="600" kern="1200"/>
-        </a:p>
-      </dsp:txBody>
-      <dsp:txXfrm>
-        <a:off x="5289389" y="3044085"/>
-        <a:ext cx="95776" cy="95776"/>
-      </dsp:txXfrm>
-    </dsp:sp>
-    <dsp:sp modelId="{6F1407A1-CB2D-477E-8127-F72A7F2369F3}">
-      <dsp:nvSpPr>
-        <dsp:cNvPr id="0" name=""/>
-        <dsp:cNvSpPr/>
-      </dsp:nvSpPr>
-      <dsp:spPr>
-        <a:xfrm>
-          <a:off x="5594031" y="3693738"/>
-          <a:ext cx="3710621" cy="641882"/>
-        </a:xfrm>
-        <a:prstGeom prst="roundRect">
-          <a:avLst>
-            <a:gd name="adj" fmla="val 10000"/>
-          </a:avLst>
-        </a:prstGeom>
-        <a:solidFill>
-          <a:schemeClr val="accent4">
-            <a:hueOff val="0"/>
-            <a:satOff val="0"/>
-            <a:lumOff val="0"/>
-            <a:alphaOff val="0"/>
-          </a:schemeClr>
-        </a:solidFill>
-        <a:ln>
-          <a:noFill/>
-        </a:ln>
-        <a:effectLst/>
-        <a:scene3d>
-          <a:camera prst="orthographicFront"/>
-          <a:lightRig rig="chilly" dir="t"/>
-        </a:scene3d>
-        <a:sp3d prstMaterial="translucentPowder">
-          <a:bevelT w="127000" h="25400" prst="softRound"/>
-        </a:sp3d>
-      </dsp:spPr>
-      <dsp:style>
-        <a:lnRef idx="0">
-          <a:scrgbClr r="0" g="0" b="0"/>
-        </a:lnRef>
-        <a:fillRef idx="1">
-          <a:scrgbClr r="0" g="0" b="0"/>
-        </a:fillRef>
-        <a:effectRef idx="0">
-          <a:scrgbClr r="0" g="0" b="0"/>
-        </a:effectRef>
-        <a:fontRef idx="minor">
-          <a:schemeClr val="lt1"/>
-        </a:fontRef>
-      </dsp:style>
-      <dsp:txBody>
-        <a:bodyPr spcFirstLastPara="0" vert="horz" wrap="square" lIns="12700" tIns="12700" rIns="12700" bIns="12700" numCol="1" spcCol="1270" anchor="ctr" anchorCtr="0">
-          <a:noAutofit/>
-        </a:bodyPr>
-        <a:lstStyle/>
-        <a:p>
-          <a:pPr lvl="0" algn="ctr" defTabSz="889000">
-            <a:lnSpc>
-              <a:spcPct val="90000"/>
-            </a:lnSpc>
-            <a:spcBef>
-              <a:spcPct val="0"/>
-            </a:spcBef>
-            <a:spcAft>
-              <a:spcPct val="35000"/>
-            </a:spcAft>
-          </a:pPr>
-          <a:r>
-            <a:rPr lang="fr-FR" sz="2000" kern="1200" dirty="0" err="1" smtClean="0"/>
-            <a:t>Apg</a:t>
-          </a:r>
-          <a:r>
-            <a:rPr lang="fr-FR" sz="2000" kern="1200" dirty="0" smtClean="0"/>
-            <a:t>-STMD</a:t>
-          </a:r>
-          <a:endParaRPr lang="fr-FR" sz="2000" kern="1200" dirty="0"/>
-        </a:p>
-      </dsp:txBody>
-      <dsp:txXfrm>
-        <a:off x="5612831" y="3712538"/>
-        <a:ext cx="3673021" cy="604282"/>
-      </dsp:txXfrm>
-    </dsp:sp>
   </dsp:spTree>
 </dsp:drawing>
 </file>
@@ -5547,7 +3842,7 @@
           <a:p>
             <a:fld id="{33742416-9049-4334-988E-C635891E4A2A}" type="datetimeFigureOut">
               <a:rPr lang="fr-FR" smtClean="0"/>
-              <a:t>01/01/2023</a:t>
+              <a:t>25/04/2023</a:t>
             </a:fld>
             <a:endParaRPr lang="fr-FR"/>
           </a:p>
@@ -6034,7 +4329,7 @@
           <a:p>
             <a:fld id="{E819386D-BC08-42BF-8EEF-DD93EBEE5FCC}" type="datetimeFigureOut">
               <a:rPr lang="fr-FR" smtClean="0"/>
-              <a:t>01/01/2023</a:t>
+              <a:t>25/04/2023</a:t>
             </a:fld>
             <a:endParaRPr lang="fr-FR"/>
           </a:p>
@@ -6204,7 +4499,7 @@
           <a:p>
             <a:fld id="{E819386D-BC08-42BF-8EEF-DD93EBEE5FCC}" type="datetimeFigureOut">
               <a:rPr lang="fr-FR" smtClean="0"/>
-              <a:t>01/01/2023</a:t>
+              <a:t>25/04/2023</a:t>
             </a:fld>
             <a:endParaRPr lang="fr-FR"/>
           </a:p>
@@ -6384,7 +4679,7 @@
           <a:p>
             <a:fld id="{E819386D-BC08-42BF-8EEF-DD93EBEE5FCC}" type="datetimeFigureOut">
               <a:rPr lang="fr-FR" smtClean="0"/>
-              <a:t>01/01/2023</a:t>
+              <a:t>25/04/2023</a:t>
             </a:fld>
             <a:endParaRPr lang="fr-FR"/>
           </a:p>
@@ -6554,7 +4849,7 @@
           <a:p>
             <a:fld id="{E819386D-BC08-42BF-8EEF-DD93EBEE5FCC}" type="datetimeFigureOut">
               <a:rPr lang="fr-FR" smtClean="0"/>
-              <a:t>01/01/2023</a:t>
+              <a:t>25/04/2023</a:t>
             </a:fld>
             <a:endParaRPr lang="fr-FR"/>
           </a:p>
@@ -6800,7 +5095,7 @@
           <a:p>
             <a:fld id="{E819386D-BC08-42BF-8EEF-DD93EBEE5FCC}" type="datetimeFigureOut">
               <a:rPr lang="fr-FR" smtClean="0"/>
-              <a:t>01/01/2023</a:t>
+              <a:t>25/04/2023</a:t>
             </a:fld>
             <a:endParaRPr lang="fr-FR"/>
           </a:p>
@@ -7032,7 +5327,7 @@
           <a:p>
             <a:fld id="{E819386D-BC08-42BF-8EEF-DD93EBEE5FCC}" type="datetimeFigureOut">
               <a:rPr lang="fr-FR" smtClean="0"/>
-              <a:t>01/01/2023</a:t>
+              <a:t>25/04/2023</a:t>
             </a:fld>
             <a:endParaRPr lang="fr-FR"/>
           </a:p>
@@ -7399,7 +5694,7 @@
           <a:p>
             <a:fld id="{E819386D-BC08-42BF-8EEF-DD93EBEE5FCC}" type="datetimeFigureOut">
               <a:rPr lang="fr-FR" smtClean="0"/>
-              <a:t>01/01/2023</a:t>
+              <a:t>25/04/2023</a:t>
             </a:fld>
             <a:endParaRPr lang="fr-FR"/>
           </a:p>
@@ -7517,7 +5812,7 @@
           <a:p>
             <a:fld id="{E819386D-BC08-42BF-8EEF-DD93EBEE5FCC}" type="datetimeFigureOut">
               <a:rPr lang="fr-FR" smtClean="0"/>
-              <a:t>01/01/2023</a:t>
+              <a:t>25/04/2023</a:t>
             </a:fld>
             <a:endParaRPr lang="fr-FR"/>
           </a:p>
@@ -7612,7 +5907,7 @@
           <a:p>
             <a:fld id="{E819386D-BC08-42BF-8EEF-DD93EBEE5FCC}" type="datetimeFigureOut">
               <a:rPr lang="fr-FR" smtClean="0"/>
-              <a:t>01/01/2023</a:t>
+              <a:t>25/04/2023</a:t>
             </a:fld>
             <a:endParaRPr lang="fr-FR"/>
           </a:p>
@@ -7889,7 +6184,7 @@
           <a:p>
             <a:fld id="{E819386D-BC08-42BF-8EEF-DD93EBEE5FCC}" type="datetimeFigureOut">
               <a:rPr lang="fr-FR" smtClean="0"/>
-              <a:t>01/01/2023</a:t>
+              <a:t>25/04/2023</a:t>
             </a:fld>
             <a:endParaRPr lang="fr-FR"/>
           </a:p>
@@ -8142,7 +6437,7 @@
           <a:p>
             <a:fld id="{E819386D-BC08-42BF-8EEF-DD93EBEE5FCC}" type="datetimeFigureOut">
               <a:rPr lang="fr-FR" smtClean="0"/>
-              <a:t>01/01/2023</a:t>
+              <a:t>25/04/2023</a:t>
             </a:fld>
             <a:endParaRPr lang="fr-FR"/>
           </a:p>
@@ -8355,7 +6650,7 @@
           <a:p>
             <a:fld id="{E819386D-BC08-42BF-8EEF-DD93EBEE5FCC}" type="datetimeFigureOut">
               <a:rPr lang="fr-FR" smtClean="0"/>
-              <a:t>01/01/2023</a:t>
+              <a:t>25/04/2023</a:t>
             </a:fld>
             <a:endParaRPr lang="fr-FR"/>
           </a:p>
@@ -9676,13 +7971,13 @@
               <a:buAutoNum type="arabicPeriod"/>
             </a:pPr>
             <a:r>
-              <a:rPr lang="fr-FR" sz="2400" b="1" dirty="0" smtClean="0">
+              <a:rPr lang="fr-FR" sz="2400" b="1" dirty="0" err="1" smtClean="0">
                 <a:solidFill>
                   <a:schemeClr val="bg1"/>
                 </a:solidFill>
                 <a:latin typeface="Bell MT" panose="02020503060305020303" pitchFamily="18" charset="0"/>
               </a:rPr>
-              <a:t>Conclusion</a:t>
+              <a:t>Conc</a:t>
             </a:r>
             <a:endParaRPr lang="fr-FR" sz="2400" b="1" dirty="0">
               <a:solidFill>

--- a/report/report.pptx
+++ b/report/report.pptx
@@ -2071,6 +2071,1711 @@
       <dsp:cNvGrpSpPr/>
     </dsp:nvGrpSpPr>
     <dsp:grpSpPr/>
+    <dsp:sp modelId="{A3D18F7F-16C9-4E61-A5F1-EB3AA7FB1076}">
+      <dsp:nvSpPr>
+        <dsp:cNvPr id="0" name=""/>
+        <dsp:cNvSpPr/>
+      </dsp:nvSpPr>
+      <dsp:spPr>
+        <a:xfrm>
+          <a:off x="202216" y="1110160"/>
+          <a:ext cx="1283765" cy="641882"/>
+        </a:xfrm>
+        <a:prstGeom prst="roundRect">
+          <a:avLst>
+            <a:gd name="adj" fmla="val 10000"/>
+          </a:avLst>
+        </a:prstGeom>
+        <a:solidFill>
+          <a:schemeClr val="accent1">
+            <a:hueOff val="0"/>
+            <a:satOff val="0"/>
+            <a:lumOff val="0"/>
+            <a:alphaOff val="0"/>
+          </a:schemeClr>
+        </a:solidFill>
+        <a:ln>
+          <a:noFill/>
+        </a:ln>
+        <a:effectLst/>
+        <a:scene3d>
+          <a:camera prst="orthographicFront"/>
+          <a:lightRig rig="chilly" dir="t"/>
+        </a:scene3d>
+        <a:sp3d prstMaterial="translucentPowder">
+          <a:bevelT w="127000" h="25400" prst="softRound"/>
+        </a:sp3d>
+      </dsp:spPr>
+      <dsp:style>
+        <a:lnRef idx="0">
+          <a:scrgbClr r="0" g="0" b="0"/>
+        </a:lnRef>
+        <a:fillRef idx="1">
+          <a:scrgbClr r="0" g="0" b="0"/>
+        </a:fillRef>
+        <a:effectRef idx="0">
+          <a:scrgbClr r="0" g="0" b="0"/>
+        </a:effectRef>
+        <a:fontRef idx="minor">
+          <a:schemeClr val="lt1"/>
+        </a:fontRef>
+      </dsp:style>
+      <dsp:txBody>
+        <a:bodyPr spcFirstLastPara="0" vert="horz" wrap="square" lIns="12700" tIns="12700" rIns="12700" bIns="12700" numCol="1" spcCol="1270" anchor="ctr" anchorCtr="0">
+          <a:noAutofit/>
+        </a:bodyPr>
+        <a:lstStyle/>
+        <a:p>
+          <a:pPr lvl="0" algn="ctr" defTabSz="889000">
+            <a:lnSpc>
+              <a:spcPct val="90000"/>
+            </a:lnSpc>
+            <a:spcBef>
+              <a:spcPct val="0"/>
+            </a:spcBef>
+            <a:spcAft>
+              <a:spcPct val="35000"/>
+            </a:spcAft>
+          </a:pPr>
+          <a:r>
+            <a:rPr lang="fr-FR" sz="2000" kern="1200" dirty="0" err="1" smtClean="0"/>
+            <a:t>Insect</a:t>
+          </a:r>
+          <a:r>
+            <a:rPr lang="fr-FR" sz="2000" kern="1200" dirty="0" smtClean="0"/>
+            <a:t> VS</a:t>
+          </a:r>
+          <a:endParaRPr lang="fr-FR" sz="2000" kern="1200" dirty="0"/>
+        </a:p>
+      </dsp:txBody>
+      <dsp:txXfrm>
+        <a:off x="221016" y="1128960"/>
+        <a:ext cx="1246165" cy="604282"/>
+      </dsp:txXfrm>
+    </dsp:sp>
+    <dsp:sp modelId="{C56FF5A5-FF7A-4FE8-809F-5DA53103B2E2}">
+      <dsp:nvSpPr>
+        <dsp:cNvPr id="0" name=""/>
+        <dsp:cNvSpPr/>
+      </dsp:nvSpPr>
+      <dsp:spPr>
+        <a:xfrm>
+          <a:off x="1485981" y="1417786"/>
+          <a:ext cx="513506" cy="26630"/>
+        </a:xfrm>
+        <a:custGeom>
+          <a:avLst/>
+          <a:gdLst/>
+          <a:ahLst/>
+          <a:cxnLst/>
+          <a:rect l="0" t="0" r="0" b="0"/>
+          <a:pathLst>
+            <a:path>
+              <a:moveTo>
+                <a:pt x="0" y="13315"/>
+              </a:moveTo>
+              <a:lnTo>
+                <a:pt x="513506" y="13315"/>
+              </a:lnTo>
+            </a:path>
+          </a:pathLst>
+        </a:custGeom>
+        <a:noFill/>
+        <a:ln w="12700" cap="flat" cmpd="sng" algn="ctr">
+          <a:solidFill>
+            <a:schemeClr val="accent2">
+              <a:hueOff val="0"/>
+              <a:satOff val="0"/>
+              <a:lumOff val="0"/>
+              <a:alphaOff val="0"/>
+            </a:schemeClr>
+          </a:solidFill>
+          <a:prstDash val="solid"/>
+          <a:miter lim="800000"/>
+        </a:ln>
+        <a:effectLst/>
+        <a:sp3d z="-40000" prstMaterial="matte"/>
+      </dsp:spPr>
+      <dsp:style>
+        <a:lnRef idx="2">
+          <a:scrgbClr r="0" g="0" b="0"/>
+        </a:lnRef>
+        <a:fillRef idx="0">
+          <a:scrgbClr r="0" g="0" b="0"/>
+        </a:fillRef>
+        <a:effectRef idx="0">
+          <a:scrgbClr r="0" g="0" b="0"/>
+        </a:effectRef>
+        <a:fontRef idx="minor"/>
+      </dsp:style>
+      <dsp:txBody>
+        <a:bodyPr spcFirstLastPara="0" vert="horz" wrap="square" lIns="12700" tIns="0" rIns="12700" bIns="0" numCol="1" spcCol="1270" anchor="ctr" anchorCtr="0">
+          <a:noAutofit/>
+        </a:bodyPr>
+        <a:lstStyle/>
+        <a:p>
+          <a:pPr lvl="0" algn="ctr" defTabSz="222250">
+            <a:lnSpc>
+              <a:spcPct val="90000"/>
+            </a:lnSpc>
+            <a:spcBef>
+              <a:spcPct val="0"/>
+            </a:spcBef>
+            <a:spcAft>
+              <a:spcPct val="35000"/>
+            </a:spcAft>
+          </a:pPr>
+          <a:endParaRPr lang="fr-FR" sz="500" kern="1200"/>
+        </a:p>
+      </dsp:txBody>
+      <dsp:txXfrm>
+        <a:off x="1729897" y="1418264"/>
+        <a:ext cx="25675" cy="25675"/>
+      </dsp:txXfrm>
+    </dsp:sp>
+    <dsp:sp modelId="{81AC247A-435F-4B83-9B4F-40F17E8B178D}">
+      <dsp:nvSpPr>
+        <dsp:cNvPr id="0" name=""/>
+        <dsp:cNvSpPr/>
+      </dsp:nvSpPr>
+      <dsp:spPr>
+        <a:xfrm>
+          <a:off x="1999487" y="1110160"/>
+          <a:ext cx="1283765" cy="641882"/>
+        </a:xfrm>
+        <a:prstGeom prst="roundRect">
+          <a:avLst>
+            <a:gd name="adj" fmla="val 10000"/>
+          </a:avLst>
+        </a:prstGeom>
+        <a:solidFill>
+          <a:schemeClr val="accent2">
+            <a:hueOff val="0"/>
+            <a:satOff val="0"/>
+            <a:lumOff val="0"/>
+            <a:alphaOff val="0"/>
+          </a:schemeClr>
+        </a:solidFill>
+        <a:ln>
+          <a:noFill/>
+        </a:ln>
+        <a:effectLst/>
+        <a:scene3d>
+          <a:camera prst="orthographicFront"/>
+          <a:lightRig rig="chilly" dir="t"/>
+        </a:scene3d>
+        <a:sp3d prstMaterial="translucentPowder">
+          <a:bevelT w="127000" h="25400" prst="softRound"/>
+        </a:sp3d>
+      </dsp:spPr>
+      <dsp:style>
+        <a:lnRef idx="0">
+          <a:scrgbClr r="0" g="0" b="0"/>
+        </a:lnRef>
+        <a:fillRef idx="1">
+          <a:scrgbClr r="0" g="0" b="0"/>
+        </a:fillRef>
+        <a:effectRef idx="0">
+          <a:scrgbClr r="0" g="0" b="0"/>
+        </a:effectRef>
+        <a:fontRef idx="minor">
+          <a:schemeClr val="lt1"/>
+        </a:fontRef>
+      </dsp:style>
+      <dsp:txBody>
+        <a:bodyPr spcFirstLastPara="0" vert="horz" wrap="square" lIns="12700" tIns="12700" rIns="12700" bIns="12700" numCol="1" spcCol="1270" anchor="ctr" anchorCtr="0">
+          <a:noAutofit/>
+        </a:bodyPr>
+        <a:lstStyle/>
+        <a:p>
+          <a:pPr lvl="0" algn="ctr" defTabSz="889000">
+            <a:lnSpc>
+              <a:spcPct val="90000"/>
+            </a:lnSpc>
+            <a:spcBef>
+              <a:spcPct val="0"/>
+            </a:spcBef>
+            <a:spcAft>
+              <a:spcPct val="35000"/>
+            </a:spcAft>
+          </a:pPr>
+          <a:r>
+            <a:rPr lang="fr-FR" sz="2000" kern="1200" dirty="0" err="1" smtClean="0"/>
+            <a:t>Artificial</a:t>
+          </a:r>
+          <a:r>
+            <a:rPr lang="fr-FR" sz="2000" kern="1200" dirty="0" smtClean="0"/>
+            <a:t> VS</a:t>
+          </a:r>
+        </a:p>
+      </dsp:txBody>
+      <dsp:txXfrm>
+        <a:off x="2018287" y="1128960"/>
+        <a:ext cx="1246165" cy="604282"/>
+      </dsp:txXfrm>
+    </dsp:sp>
+    <dsp:sp modelId="{477B3589-11A9-479E-90FD-4202A8FA7096}">
+      <dsp:nvSpPr>
+        <dsp:cNvPr id="0" name=""/>
+        <dsp:cNvSpPr/>
+      </dsp:nvSpPr>
+      <dsp:spPr>
+        <a:xfrm rot="18289469">
+          <a:off x="3090402" y="1048703"/>
+          <a:ext cx="899208" cy="26630"/>
+        </a:xfrm>
+        <a:custGeom>
+          <a:avLst/>
+          <a:gdLst/>
+          <a:ahLst/>
+          <a:cxnLst/>
+          <a:rect l="0" t="0" r="0" b="0"/>
+          <a:pathLst>
+            <a:path>
+              <a:moveTo>
+                <a:pt x="0" y="13315"/>
+              </a:moveTo>
+              <a:lnTo>
+                <a:pt x="899208" y="13315"/>
+              </a:lnTo>
+            </a:path>
+          </a:pathLst>
+        </a:custGeom>
+        <a:noFill/>
+        <a:ln w="12700" cap="flat" cmpd="sng" algn="ctr">
+          <a:solidFill>
+            <a:schemeClr val="accent3">
+              <a:hueOff val="0"/>
+              <a:satOff val="0"/>
+              <a:lumOff val="0"/>
+              <a:alphaOff val="0"/>
+            </a:schemeClr>
+          </a:solidFill>
+          <a:prstDash val="solid"/>
+          <a:miter lim="800000"/>
+        </a:ln>
+        <a:effectLst/>
+        <a:scene3d>
+          <a:camera prst="orthographicFront"/>
+          <a:lightRig rig="chilly" dir="t"/>
+        </a:scene3d>
+        <a:sp3d z="-40000" prstMaterial="matte"/>
+      </dsp:spPr>
+      <dsp:style>
+        <a:lnRef idx="2">
+          <a:scrgbClr r="0" g="0" b="0"/>
+        </a:lnRef>
+        <a:fillRef idx="0">
+          <a:scrgbClr r="0" g="0" b="0"/>
+        </a:fillRef>
+        <a:effectRef idx="0">
+          <a:scrgbClr r="0" g="0" b="0"/>
+        </a:effectRef>
+        <a:fontRef idx="minor"/>
+      </dsp:style>
+      <dsp:txBody>
+        <a:bodyPr spcFirstLastPara="0" vert="horz" wrap="square" lIns="12700" tIns="0" rIns="12700" bIns="0" numCol="1" spcCol="1270" anchor="ctr" anchorCtr="0">
+          <a:noAutofit/>
+        </a:bodyPr>
+        <a:lstStyle/>
+        <a:p>
+          <a:pPr lvl="0" algn="ctr" defTabSz="222250">
+            <a:lnSpc>
+              <a:spcPct val="90000"/>
+            </a:lnSpc>
+            <a:spcBef>
+              <a:spcPct val="0"/>
+            </a:spcBef>
+            <a:spcAft>
+              <a:spcPct val="35000"/>
+            </a:spcAft>
+          </a:pPr>
+          <a:endParaRPr lang="fr-FR" sz="500" kern="1200"/>
+        </a:p>
+      </dsp:txBody>
+      <dsp:txXfrm>
+        <a:off x="3517526" y="1039539"/>
+        <a:ext cx="44960" cy="44960"/>
+      </dsp:txXfrm>
+    </dsp:sp>
+    <dsp:sp modelId="{C155B32E-060E-4FEE-BF6D-CED00C422764}">
+      <dsp:nvSpPr>
+        <dsp:cNvPr id="0" name=""/>
+        <dsp:cNvSpPr/>
+      </dsp:nvSpPr>
+      <dsp:spPr>
+        <a:xfrm>
+          <a:off x="3796759" y="371995"/>
+          <a:ext cx="1283765" cy="641882"/>
+        </a:xfrm>
+        <a:prstGeom prst="roundRect">
+          <a:avLst>
+            <a:gd name="adj" fmla="val 10000"/>
+          </a:avLst>
+        </a:prstGeom>
+        <a:solidFill>
+          <a:schemeClr val="accent3">
+            <a:hueOff val="0"/>
+            <a:satOff val="0"/>
+            <a:lumOff val="0"/>
+            <a:alphaOff val="0"/>
+          </a:schemeClr>
+        </a:solidFill>
+        <a:ln>
+          <a:noFill/>
+        </a:ln>
+        <a:effectLst/>
+        <a:scene3d>
+          <a:camera prst="orthographicFront"/>
+          <a:lightRig rig="chilly" dir="t"/>
+        </a:scene3d>
+        <a:sp3d prstMaterial="translucentPowder">
+          <a:bevelT w="127000" h="25400" prst="softRound"/>
+        </a:sp3d>
+      </dsp:spPr>
+      <dsp:style>
+        <a:lnRef idx="0">
+          <a:scrgbClr r="0" g="0" b="0"/>
+        </a:lnRef>
+        <a:fillRef idx="1">
+          <a:scrgbClr r="0" g="0" b="0"/>
+        </a:fillRef>
+        <a:effectRef idx="0">
+          <a:scrgbClr r="0" g="0" b="0"/>
+        </a:effectRef>
+        <a:fontRef idx="minor">
+          <a:schemeClr val="lt1"/>
+        </a:fontRef>
+      </dsp:style>
+      <dsp:txBody>
+        <a:bodyPr spcFirstLastPara="0" vert="horz" wrap="square" lIns="12700" tIns="12700" rIns="12700" bIns="12700" numCol="1" spcCol="1270" anchor="ctr" anchorCtr="0">
+          <a:noAutofit/>
+        </a:bodyPr>
+        <a:lstStyle/>
+        <a:p>
+          <a:pPr lvl="0" algn="ctr" defTabSz="889000">
+            <a:lnSpc>
+              <a:spcPct val="90000"/>
+            </a:lnSpc>
+            <a:spcBef>
+              <a:spcPct val="0"/>
+            </a:spcBef>
+            <a:spcAft>
+              <a:spcPct val="35000"/>
+            </a:spcAft>
+          </a:pPr>
+          <a:r>
+            <a:rPr lang="fr-FR" sz="2000" kern="1200" dirty="0" smtClean="0"/>
+            <a:t>LSM</a:t>
+          </a:r>
+          <a:endParaRPr lang="fr-FR" sz="2000" kern="1200" dirty="0"/>
+        </a:p>
+      </dsp:txBody>
+      <dsp:txXfrm>
+        <a:off x="3815559" y="390795"/>
+        <a:ext cx="1246165" cy="604282"/>
+      </dsp:txXfrm>
+    </dsp:sp>
+    <dsp:sp modelId="{A3960E44-FB36-4837-9B7E-A4EB4B49F97A}">
+      <dsp:nvSpPr>
+        <dsp:cNvPr id="0" name=""/>
+        <dsp:cNvSpPr/>
+      </dsp:nvSpPr>
+      <dsp:spPr>
+        <a:xfrm>
+          <a:off x="3283253" y="1417786"/>
+          <a:ext cx="513506" cy="26630"/>
+        </a:xfrm>
+        <a:custGeom>
+          <a:avLst/>
+          <a:gdLst/>
+          <a:ahLst/>
+          <a:cxnLst/>
+          <a:rect l="0" t="0" r="0" b="0"/>
+          <a:pathLst>
+            <a:path>
+              <a:moveTo>
+                <a:pt x="0" y="13315"/>
+              </a:moveTo>
+              <a:lnTo>
+                <a:pt x="513506" y="13315"/>
+              </a:lnTo>
+            </a:path>
+          </a:pathLst>
+        </a:custGeom>
+        <a:noFill/>
+        <a:ln w="12700" cap="flat" cmpd="sng" algn="ctr">
+          <a:solidFill>
+            <a:schemeClr val="accent3">
+              <a:hueOff val="0"/>
+              <a:satOff val="0"/>
+              <a:lumOff val="0"/>
+              <a:alphaOff val="0"/>
+            </a:schemeClr>
+          </a:solidFill>
+          <a:prstDash val="solid"/>
+          <a:miter lim="800000"/>
+        </a:ln>
+        <a:effectLst/>
+        <a:scene3d>
+          <a:camera prst="orthographicFront"/>
+          <a:lightRig rig="chilly" dir="t"/>
+        </a:scene3d>
+        <a:sp3d z="-40000" prstMaterial="matte"/>
+      </dsp:spPr>
+      <dsp:style>
+        <a:lnRef idx="2">
+          <a:scrgbClr r="0" g="0" b="0"/>
+        </a:lnRef>
+        <a:fillRef idx="0">
+          <a:scrgbClr r="0" g="0" b="0"/>
+        </a:fillRef>
+        <a:effectRef idx="0">
+          <a:scrgbClr r="0" g="0" b="0"/>
+        </a:effectRef>
+        <a:fontRef idx="minor"/>
+      </dsp:style>
+      <dsp:txBody>
+        <a:bodyPr spcFirstLastPara="0" vert="horz" wrap="square" lIns="12700" tIns="0" rIns="12700" bIns="0" numCol="1" spcCol="1270" anchor="ctr" anchorCtr="0">
+          <a:noAutofit/>
+        </a:bodyPr>
+        <a:lstStyle/>
+        <a:p>
+          <a:pPr lvl="0" algn="ctr" defTabSz="222250">
+            <a:lnSpc>
+              <a:spcPct val="90000"/>
+            </a:lnSpc>
+            <a:spcBef>
+              <a:spcPct val="0"/>
+            </a:spcBef>
+            <a:spcAft>
+              <a:spcPct val="35000"/>
+            </a:spcAft>
+          </a:pPr>
+          <a:endParaRPr lang="fr-FR" sz="500" kern="1200"/>
+        </a:p>
+      </dsp:txBody>
+      <dsp:txXfrm>
+        <a:off x="3527168" y="1418264"/>
+        <a:ext cx="25675" cy="25675"/>
+      </dsp:txXfrm>
+    </dsp:sp>
+    <dsp:sp modelId="{454C750A-6C8B-4E77-AC68-3C23219529D1}">
+      <dsp:nvSpPr>
+        <dsp:cNvPr id="0" name=""/>
+        <dsp:cNvSpPr/>
+      </dsp:nvSpPr>
+      <dsp:spPr>
+        <a:xfrm>
+          <a:off x="3796759" y="1110160"/>
+          <a:ext cx="1283765" cy="641882"/>
+        </a:xfrm>
+        <a:prstGeom prst="roundRect">
+          <a:avLst>
+            <a:gd name="adj" fmla="val 10000"/>
+          </a:avLst>
+        </a:prstGeom>
+        <a:solidFill>
+          <a:schemeClr val="accent3">
+            <a:hueOff val="0"/>
+            <a:satOff val="0"/>
+            <a:lumOff val="0"/>
+            <a:alphaOff val="0"/>
+          </a:schemeClr>
+        </a:solidFill>
+        <a:ln>
+          <a:noFill/>
+        </a:ln>
+        <a:effectLst/>
+        <a:scene3d>
+          <a:camera prst="orthographicFront"/>
+          <a:lightRig rig="chilly" dir="t"/>
+        </a:scene3d>
+        <a:sp3d prstMaterial="translucentPowder">
+          <a:bevelT w="127000" h="25400" prst="softRound"/>
+        </a:sp3d>
+      </dsp:spPr>
+      <dsp:style>
+        <a:lnRef idx="0">
+          <a:scrgbClr r="0" g="0" b="0"/>
+        </a:lnRef>
+        <a:fillRef idx="1">
+          <a:scrgbClr r="0" g="0" b="0"/>
+        </a:fillRef>
+        <a:effectRef idx="0">
+          <a:scrgbClr r="0" g="0" b="0"/>
+        </a:effectRef>
+        <a:fontRef idx="minor">
+          <a:schemeClr val="lt1"/>
+        </a:fontRef>
+      </dsp:style>
+      <dsp:txBody>
+        <a:bodyPr spcFirstLastPara="0" vert="horz" wrap="square" lIns="12700" tIns="12700" rIns="12700" bIns="12700" numCol="1" spcCol="1270" anchor="ctr" anchorCtr="0">
+          <a:noAutofit/>
+        </a:bodyPr>
+        <a:lstStyle/>
+        <a:p>
+          <a:pPr lvl="0" algn="ctr" defTabSz="889000">
+            <a:lnSpc>
+              <a:spcPct val="90000"/>
+            </a:lnSpc>
+            <a:spcBef>
+              <a:spcPct val="0"/>
+            </a:spcBef>
+            <a:spcAft>
+              <a:spcPct val="35000"/>
+            </a:spcAft>
+          </a:pPr>
+          <a:r>
+            <a:rPr lang="fr-FR" sz="2000" kern="1200" dirty="0" smtClean="0"/>
+            <a:t>TSM</a:t>
+          </a:r>
+          <a:endParaRPr lang="fr-FR" sz="2000" kern="1200" dirty="0"/>
+        </a:p>
+      </dsp:txBody>
+      <dsp:txXfrm>
+        <a:off x="3815559" y="1128960"/>
+        <a:ext cx="1246165" cy="604282"/>
+      </dsp:txXfrm>
+    </dsp:sp>
+    <dsp:sp modelId="{757C5870-0BF1-4DB8-8166-AAEAAD195A00}">
+      <dsp:nvSpPr>
+        <dsp:cNvPr id="0" name=""/>
+        <dsp:cNvSpPr/>
+      </dsp:nvSpPr>
+      <dsp:spPr>
+        <a:xfrm rot="3310531">
+          <a:off x="3090402" y="1786869"/>
+          <a:ext cx="899208" cy="26630"/>
+        </a:xfrm>
+        <a:custGeom>
+          <a:avLst/>
+          <a:gdLst/>
+          <a:ahLst/>
+          <a:cxnLst/>
+          <a:rect l="0" t="0" r="0" b="0"/>
+          <a:pathLst>
+            <a:path>
+              <a:moveTo>
+                <a:pt x="0" y="13315"/>
+              </a:moveTo>
+              <a:lnTo>
+                <a:pt x="899208" y="13315"/>
+              </a:lnTo>
+            </a:path>
+          </a:pathLst>
+        </a:custGeom>
+        <a:noFill/>
+        <a:ln w="12700" cap="flat" cmpd="sng" algn="ctr">
+          <a:solidFill>
+            <a:schemeClr val="accent3">
+              <a:hueOff val="0"/>
+              <a:satOff val="0"/>
+              <a:lumOff val="0"/>
+              <a:alphaOff val="0"/>
+            </a:schemeClr>
+          </a:solidFill>
+          <a:prstDash val="solid"/>
+          <a:miter lim="800000"/>
+        </a:ln>
+        <a:effectLst/>
+        <a:scene3d>
+          <a:camera prst="orthographicFront"/>
+          <a:lightRig rig="chilly" dir="t"/>
+        </a:scene3d>
+        <a:sp3d z="-40000" prstMaterial="matte"/>
+      </dsp:spPr>
+      <dsp:style>
+        <a:lnRef idx="2">
+          <a:scrgbClr r="0" g="0" b="0"/>
+        </a:lnRef>
+        <a:fillRef idx="0">
+          <a:scrgbClr r="0" g="0" b="0"/>
+        </a:fillRef>
+        <a:effectRef idx="0">
+          <a:scrgbClr r="0" g="0" b="0"/>
+        </a:effectRef>
+        <a:fontRef idx="minor"/>
+      </dsp:style>
+      <dsp:txBody>
+        <a:bodyPr spcFirstLastPara="0" vert="horz" wrap="square" lIns="12700" tIns="0" rIns="12700" bIns="0" numCol="1" spcCol="1270" anchor="ctr" anchorCtr="0">
+          <a:noAutofit/>
+        </a:bodyPr>
+        <a:lstStyle/>
+        <a:p>
+          <a:pPr lvl="0" algn="ctr" defTabSz="222250">
+            <a:lnSpc>
+              <a:spcPct val="90000"/>
+            </a:lnSpc>
+            <a:spcBef>
+              <a:spcPct val="0"/>
+            </a:spcBef>
+            <a:spcAft>
+              <a:spcPct val="35000"/>
+            </a:spcAft>
+          </a:pPr>
+          <a:endParaRPr lang="fr-FR" sz="500" kern="1200"/>
+        </a:p>
+      </dsp:txBody>
+      <dsp:txXfrm>
+        <a:off x="3517526" y="1777704"/>
+        <a:ext cx="44960" cy="44960"/>
+      </dsp:txXfrm>
+    </dsp:sp>
+    <dsp:sp modelId="{C12DCB37-E195-497B-AC71-D2F010A04E7B}">
+      <dsp:nvSpPr>
+        <dsp:cNvPr id="0" name=""/>
+        <dsp:cNvSpPr/>
+      </dsp:nvSpPr>
+      <dsp:spPr>
+        <a:xfrm>
+          <a:off x="3796759" y="1848325"/>
+          <a:ext cx="1283765" cy="641882"/>
+        </a:xfrm>
+        <a:prstGeom prst="roundRect">
+          <a:avLst>
+            <a:gd name="adj" fmla="val 10000"/>
+          </a:avLst>
+        </a:prstGeom>
+        <a:solidFill>
+          <a:schemeClr val="accent3">
+            <a:hueOff val="0"/>
+            <a:satOff val="0"/>
+            <a:lumOff val="0"/>
+            <a:alphaOff val="0"/>
+          </a:schemeClr>
+        </a:solidFill>
+        <a:ln>
+          <a:noFill/>
+        </a:ln>
+        <a:effectLst/>
+        <a:scene3d>
+          <a:camera prst="orthographicFront"/>
+          <a:lightRig rig="chilly" dir="t"/>
+        </a:scene3d>
+        <a:sp3d prstMaterial="translucentPowder">
+          <a:bevelT w="127000" h="25400" prst="softRound"/>
+        </a:sp3d>
+      </dsp:spPr>
+      <dsp:style>
+        <a:lnRef idx="0">
+          <a:scrgbClr r="0" g="0" b="0"/>
+        </a:lnRef>
+        <a:fillRef idx="1">
+          <a:scrgbClr r="0" g="0" b="0"/>
+        </a:fillRef>
+        <a:effectRef idx="0">
+          <a:scrgbClr r="0" g="0" b="0"/>
+        </a:effectRef>
+        <a:fontRef idx="minor">
+          <a:schemeClr val="lt1"/>
+        </a:fontRef>
+      </dsp:style>
+      <dsp:txBody>
+        <a:bodyPr spcFirstLastPara="0" vert="horz" wrap="square" lIns="12700" tIns="12700" rIns="12700" bIns="12700" numCol="1" spcCol="1270" anchor="ctr" anchorCtr="0">
+          <a:noAutofit/>
+        </a:bodyPr>
+        <a:lstStyle/>
+        <a:p>
+          <a:pPr lvl="0" algn="ctr" defTabSz="889000">
+            <a:lnSpc>
+              <a:spcPct val="90000"/>
+            </a:lnSpc>
+            <a:spcBef>
+              <a:spcPct val="0"/>
+            </a:spcBef>
+            <a:spcAft>
+              <a:spcPct val="35000"/>
+            </a:spcAft>
+          </a:pPr>
+          <a:r>
+            <a:rPr lang="fr-FR" sz="2000" kern="1200" dirty="0" smtClean="0"/>
+            <a:t>STMSM</a:t>
+          </a:r>
+          <a:endParaRPr lang="fr-FR" sz="2000" kern="1200" dirty="0"/>
+        </a:p>
+      </dsp:txBody>
+      <dsp:txXfrm>
+        <a:off x="3815559" y="1867125"/>
+        <a:ext cx="1246165" cy="604282"/>
+      </dsp:txXfrm>
+    </dsp:sp>
+    <dsp:sp modelId="{57788F5B-D79D-484D-B5E0-0C0926421851}">
+      <dsp:nvSpPr>
+        <dsp:cNvPr id="0" name=""/>
+        <dsp:cNvSpPr/>
+      </dsp:nvSpPr>
+      <dsp:spPr>
+        <a:xfrm rot="17132988">
+          <a:off x="4379515" y="1233245"/>
+          <a:ext cx="1915525" cy="26630"/>
+        </a:xfrm>
+        <a:custGeom>
+          <a:avLst/>
+          <a:gdLst/>
+          <a:ahLst/>
+          <a:cxnLst/>
+          <a:rect l="0" t="0" r="0" b="0"/>
+          <a:pathLst>
+            <a:path>
+              <a:moveTo>
+                <a:pt x="0" y="13315"/>
+              </a:moveTo>
+              <a:lnTo>
+                <a:pt x="1915525" y="13315"/>
+              </a:lnTo>
+            </a:path>
+          </a:pathLst>
+        </a:custGeom>
+        <a:noFill/>
+        <a:ln w="12700" cap="flat" cmpd="sng" algn="ctr">
+          <a:solidFill>
+            <a:schemeClr val="accent4">
+              <a:hueOff val="0"/>
+              <a:satOff val="0"/>
+              <a:lumOff val="0"/>
+              <a:alphaOff val="0"/>
+            </a:schemeClr>
+          </a:solidFill>
+          <a:prstDash val="solid"/>
+          <a:miter lim="800000"/>
+        </a:ln>
+        <a:effectLst/>
+        <a:scene3d>
+          <a:camera prst="orthographicFront"/>
+          <a:lightRig rig="chilly" dir="t"/>
+        </a:scene3d>
+        <a:sp3d z="-40000" prstMaterial="matte"/>
+      </dsp:spPr>
+      <dsp:style>
+        <a:lnRef idx="2">
+          <a:scrgbClr r="0" g="0" b="0"/>
+        </a:lnRef>
+        <a:fillRef idx="0">
+          <a:scrgbClr r="0" g="0" b="0"/>
+        </a:fillRef>
+        <a:effectRef idx="0">
+          <a:scrgbClr r="0" g="0" b="0"/>
+        </a:effectRef>
+        <a:fontRef idx="minor"/>
+      </dsp:style>
+      <dsp:txBody>
+        <a:bodyPr spcFirstLastPara="0" vert="horz" wrap="square" lIns="12700" tIns="0" rIns="12700" bIns="0" numCol="1" spcCol="1270" anchor="ctr" anchorCtr="0">
+          <a:noAutofit/>
+        </a:bodyPr>
+        <a:lstStyle/>
+        <a:p>
+          <a:pPr lvl="0" algn="ctr" defTabSz="266700">
+            <a:lnSpc>
+              <a:spcPct val="90000"/>
+            </a:lnSpc>
+            <a:spcBef>
+              <a:spcPct val="0"/>
+            </a:spcBef>
+            <a:spcAft>
+              <a:spcPct val="35000"/>
+            </a:spcAft>
+          </a:pPr>
+          <a:endParaRPr lang="fr-FR" sz="600" kern="1200"/>
+        </a:p>
+      </dsp:txBody>
+      <dsp:txXfrm>
+        <a:off x="5289389" y="1198672"/>
+        <a:ext cx="95776" cy="95776"/>
+      </dsp:txXfrm>
+    </dsp:sp>
+    <dsp:sp modelId="{A5F31830-C055-4ABD-81FB-5BB000B40DAF}">
+      <dsp:nvSpPr>
+        <dsp:cNvPr id="0" name=""/>
+        <dsp:cNvSpPr/>
+      </dsp:nvSpPr>
+      <dsp:spPr>
+        <a:xfrm>
+          <a:off x="5594031" y="2912"/>
+          <a:ext cx="3654418" cy="641882"/>
+        </a:xfrm>
+        <a:prstGeom prst="roundRect">
+          <a:avLst>
+            <a:gd name="adj" fmla="val 10000"/>
+          </a:avLst>
+        </a:prstGeom>
+        <a:solidFill>
+          <a:schemeClr val="accent4">
+            <a:hueOff val="0"/>
+            <a:satOff val="0"/>
+            <a:lumOff val="0"/>
+            <a:alphaOff val="0"/>
+          </a:schemeClr>
+        </a:solidFill>
+        <a:ln>
+          <a:noFill/>
+        </a:ln>
+        <a:effectLst/>
+        <a:scene3d>
+          <a:camera prst="orthographicFront"/>
+          <a:lightRig rig="chilly" dir="t"/>
+        </a:scene3d>
+        <a:sp3d prstMaterial="translucentPowder">
+          <a:bevelT w="127000" h="25400" prst="softRound"/>
+        </a:sp3d>
+      </dsp:spPr>
+      <dsp:style>
+        <a:lnRef idx="0">
+          <a:scrgbClr r="0" g="0" b="0"/>
+        </a:lnRef>
+        <a:fillRef idx="1">
+          <a:scrgbClr r="0" g="0" b="0"/>
+        </a:fillRef>
+        <a:effectRef idx="0">
+          <a:scrgbClr r="0" g="0" b="0"/>
+        </a:effectRef>
+        <a:fontRef idx="minor">
+          <a:schemeClr val="lt1"/>
+        </a:fontRef>
+      </dsp:style>
+      <dsp:txBody>
+        <a:bodyPr spcFirstLastPara="0" vert="horz" wrap="square" lIns="12700" tIns="12700" rIns="12700" bIns="12700" numCol="1" spcCol="1270" anchor="ctr" anchorCtr="0">
+          <a:noAutofit/>
+        </a:bodyPr>
+        <a:lstStyle/>
+        <a:p>
+          <a:pPr lvl="0" algn="ctr" defTabSz="889000">
+            <a:lnSpc>
+              <a:spcPct val="90000"/>
+            </a:lnSpc>
+            <a:spcBef>
+              <a:spcPct val="0"/>
+            </a:spcBef>
+            <a:spcAft>
+              <a:spcPct val="35000"/>
+            </a:spcAft>
+          </a:pPr>
+          <a:r>
+            <a:rPr lang="fr-FR" sz="2000" kern="1200" dirty="0" smtClean="0"/>
+            <a:t>STMD(ESTMD)</a:t>
+          </a:r>
+          <a:endParaRPr lang="fr-FR" sz="2000" kern="1200" dirty="0"/>
+        </a:p>
+      </dsp:txBody>
+      <dsp:txXfrm>
+        <a:off x="5612831" y="21712"/>
+        <a:ext cx="3616818" cy="604282"/>
+      </dsp:txXfrm>
+    </dsp:sp>
+    <dsp:sp modelId="{0D5AC9D9-76B7-40A4-8BF8-3013117605A7}">
+      <dsp:nvSpPr>
+        <dsp:cNvPr id="0" name=""/>
+        <dsp:cNvSpPr/>
+      </dsp:nvSpPr>
+      <dsp:spPr>
+        <a:xfrm rot="17692822">
+          <a:off x="4727014" y="1602327"/>
+          <a:ext cx="1220526" cy="26630"/>
+        </a:xfrm>
+        <a:custGeom>
+          <a:avLst/>
+          <a:gdLst/>
+          <a:ahLst/>
+          <a:cxnLst/>
+          <a:rect l="0" t="0" r="0" b="0"/>
+          <a:pathLst>
+            <a:path>
+              <a:moveTo>
+                <a:pt x="0" y="13315"/>
+              </a:moveTo>
+              <a:lnTo>
+                <a:pt x="1220526" y="13315"/>
+              </a:lnTo>
+            </a:path>
+          </a:pathLst>
+        </a:custGeom>
+        <a:noFill/>
+        <a:ln w="12700" cap="flat" cmpd="sng" algn="ctr">
+          <a:solidFill>
+            <a:schemeClr val="accent4">
+              <a:hueOff val="0"/>
+              <a:satOff val="0"/>
+              <a:lumOff val="0"/>
+              <a:alphaOff val="0"/>
+            </a:schemeClr>
+          </a:solidFill>
+          <a:prstDash val="solid"/>
+          <a:miter lim="800000"/>
+        </a:ln>
+        <a:effectLst/>
+        <a:scene3d>
+          <a:camera prst="orthographicFront"/>
+          <a:lightRig rig="chilly" dir="t"/>
+        </a:scene3d>
+        <a:sp3d z="-40000" prstMaterial="matte"/>
+      </dsp:spPr>
+      <dsp:style>
+        <a:lnRef idx="2">
+          <a:scrgbClr r="0" g="0" b="0"/>
+        </a:lnRef>
+        <a:fillRef idx="0">
+          <a:scrgbClr r="0" g="0" b="0"/>
+        </a:fillRef>
+        <a:effectRef idx="0">
+          <a:scrgbClr r="0" g="0" b="0"/>
+        </a:effectRef>
+        <a:fontRef idx="minor"/>
+      </dsp:style>
+      <dsp:txBody>
+        <a:bodyPr spcFirstLastPara="0" vert="horz" wrap="square" lIns="12700" tIns="0" rIns="12700" bIns="0" numCol="1" spcCol="1270" anchor="ctr" anchorCtr="0">
+          <a:noAutofit/>
+        </a:bodyPr>
+        <a:lstStyle/>
+        <a:p>
+          <a:pPr lvl="0" algn="ctr" defTabSz="222250">
+            <a:lnSpc>
+              <a:spcPct val="90000"/>
+            </a:lnSpc>
+            <a:spcBef>
+              <a:spcPct val="0"/>
+            </a:spcBef>
+            <a:spcAft>
+              <a:spcPct val="35000"/>
+            </a:spcAft>
+          </a:pPr>
+          <a:endParaRPr lang="fr-FR" sz="500" kern="1200"/>
+        </a:p>
+      </dsp:txBody>
+      <dsp:txXfrm>
+        <a:off x="5306764" y="1585129"/>
+        <a:ext cx="61026" cy="61026"/>
+      </dsp:txXfrm>
+    </dsp:sp>
+    <dsp:sp modelId="{544739E1-4036-46EB-8133-05E993F0A7DF}">
+      <dsp:nvSpPr>
+        <dsp:cNvPr id="0" name=""/>
+        <dsp:cNvSpPr/>
+      </dsp:nvSpPr>
+      <dsp:spPr>
+        <a:xfrm>
+          <a:off x="5594031" y="741077"/>
+          <a:ext cx="3693598" cy="641882"/>
+        </a:xfrm>
+        <a:prstGeom prst="roundRect">
+          <a:avLst>
+            <a:gd name="adj" fmla="val 10000"/>
+          </a:avLst>
+        </a:prstGeom>
+        <a:solidFill>
+          <a:schemeClr val="accent4">
+            <a:hueOff val="0"/>
+            <a:satOff val="0"/>
+            <a:lumOff val="0"/>
+            <a:alphaOff val="0"/>
+          </a:schemeClr>
+        </a:solidFill>
+        <a:ln>
+          <a:noFill/>
+        </a:ln>
+        <a:effectLst/>
+        <a:scene3d>
+          <a:camera prst="orthographicFront"/>
+          <a:lightRig rig="chilly" dir="t"/>
+        </a:scene3d>
+        <a:sp3d prstMaterial="translucentPowder">
+          <a:bevelT w="127000" h="25400" prst="softRound"/>
+        </a:sp3d>
+      </dsp:spPr>
+      <dsp:style>
+        <a:lnRef idx="0">
+          <a:scrgbClr r="0" g="0" b="0"/>
+        </a:lnRef>
+        <a:fillRef idx="1">
+          <a:scrgbClr r="0" g="0" b="0"/>
+        </a:fillRef>
+        <a:effectRef idx="0">
+          <a:scrgbClr r="0" g="0" b="0"/>
+        </a:effectRef>
+        <a:fontRef idx="minor">
+          <a:schemeClr val="lt1"/>
+        </a:fontRef>
+      </dsp:style>
+      <dsp:txBody>
+        <a:bodyPr spcFirstLastPara="0" vert="horz" wrap="square" lIns="12700" tIns="12700" rIns="12700" bIns="12700" numCol="1" spcCol="1270" anchor="ctr" anchorCtr="0">
+          <a:noAutofit/>
+        </a:bodyPr>
+        <a:lstStyle/>
+        <a:p>
+          <a:pPr lvl="0" algn="ctr" defTabSz="889000">
+            <a:lnSpc>
+              <a:spcPct val="90000"/>
+            </a:lnSpc>
+            <a:spcBef>
+              <a:spcPct val="0"/>
+            </a:spcBef>
+            <a:spcAft>
+              <a:spcPct val="35000"/>
+            </a:spcAft>
+          </a:pPr>
+          <a:r>
+            <a:rPr lang="fr-FR" sz="2000" kern="1200" dirty="0" smtClean="0"/>
+            <a:t>ESTMD-EMD &amp; EMD-ESTMD</a:t>
+          </a:r>
+          <a:endParaRPr lang="fr-FR" sz="2000" kern="1200" dirty="0"/>
+        </a:p>
+      </dsp:txBody>
+      <dsp:txXfrm>
+        <a:off x="5612831" y="759877"/>
+        <a:ext cx="3655998" cy="604282"/>
+      </dsp:txXfrm>
+    </dsp:sp>
+    <dsp:sp modelId="{B323BD5F-CACC-40AC-9441-FA969C272EB4}">
+      <dsp:nvSpPr>
+        <dsp:cNvPr id="0" name=""/>
+        <dsp:cNvSpPr/>
+      </dsp:nvSpPr>
+      <dsp:spPr>
+        <a:xfrm rot="19457599">
+          <a:off x="5021085" y="1971410"/>
+          <a:ext cx="632384" cy="26630"/>
+        </a:xfrm>
+        <a:custGeom>
+          <a:avLst/>
+          <a:gdLst/>
+          <a:ahLst/>
+          <a:cxnLst/>
+          <a:rect l="0" t="0" r="0" b="0"/>
+          <a:pathLst>
+            <a:path>
+              <a:moveTo>
+                <a:pt x="0" y="13315"/>
+              </a:moveTo>
+              <a:lnTo>
+                <a:pt x="632384" y="13315"/>
+              </a:lnTo>
+            </a:path>
+          </a:pathLst>
+        </a:custGeom>
+        <a:noFill/>
+        <a:ln w="12700" cap="flat" cmpd="sng" algn="ctr">
+          <a:solidFill>
+            <a:schemeClr val="accent4">
+              <a:hueOff val="0"/>
+              <a:satOff val="0"/>
+              <a:lumOff val="0"/>
+              <a:alphaOff val="0"/>
+            </a:schemeClr>
+          </a:solidFill>
+          <a:prstDash val="solid"/>
+          <a:miter lim="800000"/>
+        </a:ln>
+        <a:effectLst/>
+        <a:scene3d>
+          <a:camera prst="orthographicFront"/>
+          <a:lightRig rig="chilly" dir="t"/>
+        </a:scene3d>
+        <a:sp3d z="-40000" prstMaterial="matte"/>
+      </dsp:spPr>
+      <dsp:style>
+        <a:lnRef idx="2">
+          <a:scrgbClr r="0" g="0" b="0"/>
+        </a:lnRef>
+        <a:fillRef idx="0">
+          <a:scrgbClr r="0" g="0" b="0"/>
+        </a:fillRef>
+        <a:effectRef idx="0">
+          <a:scrgbClr r="0" g="0" b="0"/>
+        </a:effectRef>
+        <a:fontRef idx="minor"/>
+      </dsp:style>
+      <dsp:txBody>
+        <a:bodyPr spcFirstLastPara="0" vert="horz" wrap="square" lIns="12700" tIns="0" rIns="12700" bIns="0" numCol="1" spcCol="1270" anchor="ctr" anchorCtr="0">
+          <a:noAutofit/>
+        </a:bodyPr>
+        <a:lstStyle/>
+        <a:p>
+          <a:pPr lvl="0" algn="ctr" defTabSz="222250">
+            <a:lnSpc>
+              <a:spcPct val="90000"/>
+            </a:lnSpc>
+            <a:spcBef>
+              <a:spcPct val="0"/>
+            </a:spcBef>
+            <a:spcAft>
+              <a:spcPct val="35000"/>
+            </a:spcAft>
+          </a:pPr>
+          <a:endParaRPr lang="fr-FR" sz="500" kern="1200"/>
+        </a:p>
+      </dsp:txBody>
+      <dsp:txXfrm>
+        <a:off x="5321468" y="1968916"/>
+        <a:ext cx="31619" cy="31619"/>
+      </dsp:txXfrm>
+    </dsp:sp>
+    <dsp:sp modelId="{023DFF8B-5156-4927-BB3F-EF20AB885D41}">
+      <dsp:nvSpPr>
+        <dsp:cNvPr id="0" name=""/>
+        <dsp:cNvSpPr/>
+      </dsp:nvSpPr>
+      <dsp:spPr>
+        <a:xfrm>
+          <a:off x="5594031" y="1479243"/>
+          <a:ext cx="3755951" cy="641882"/>
+        </a:xfrm>
+        <a:prstGeom prst="roundRect">
+          <a:avLst>
+            <a:gd name="adj" fmla="val 10000"/>
+          </a:avLst>
+        </a:prstGeom>
+        <a:solidFill>
+          <a:schemeClr val="accent4">
+            <a:hueOff val="0"/>
+            <a:satOff val="0"/>
+            <a:lumOff val="0"/>
+            <a:alphaOff val="0"/>
+          </a:schemeClr>
+        </a:solidFill>
+        <a:ln>
+          <a:noFill/>
+        </a:ln>
+        <a:effectLst/>
+        <a:scene3d>
+          <a:camera prst="orthographicFront"/>
+          <a:lightRig rig="chilly" dir="t"/>
+        </a:scene3d>
+        <a:sp3d prstMaterial="translucentPowder">
+          <a:bevelT w="127000" h="25400" prst="softRound"/>
+        </a:sp3d>
+      </dsp:spPr>
+      <dsp:style>
+        <a:lnRef idx="0">
+          <a:scrgbClr r="0" g="0" b="0"/>
+        </a:lnRef>
+        <a:fillRef idx="1">
+          <a:scrgbClr r="0" g="0" b="0"/>
+        </a:fillRef>
+        <a:effectRef idx="0">
+          <a:scrgbClr r="0" g="0" b="0"/>
+        </a:effectRef>
+        <a:fontRef idx="minor">
+          <a:schemeClr val="lt1"/>
+        </a:fontRef>
+      </dsp:style>
+      <dsp:txBody>
+        <a:bodyPr spcFirstLastPara="0" vert="horz" wrap="square" lIns="12700" tIns="12700" rIns="12700" bIns="12700" numCol="1" spcCol="1270" anchor="ctr" anchorCtr="0">
+          <a:noAutofit/>
+        </a:bodyPr>
+        <a:lstStyle/>
+        <a:p>
+          <a:pPr lvl="0" algn="ctr" defTabSz="889000">
+            <a:lnSpc>
+              <a:spcPct val="90000"/>
+            </a:lnSpc>
+            <a:spcBef>
+              <a:spcPct val="0"/>
+            </a:spcBef>
+            <a:spcAft>
+              <a:spcPct val="35000"/>
+            </a:spcAft>
+          </a:pPr>
+          <a:r>
+            <a:rPr lang="fr-FR" sz="2000" kern="1200" dirty="0" smtClean="0"/>
+            <a:t>Feedback-ESTMD</a:t>
+          </a:r>
+          <a:endParaRPr lang="fr-FR" sz="2000" kern="1200" dirty="0"/>
+        </a:p>
+      </dsp:txBody>
+      <dsp:txXfrm>
+        <a:off x="5612831" y="1498043"/>
+        <a:ext cx="3718351" cy="604282"/>
+      </dsp:txXfrm>
+    </dsp:sp>
+    <dsp:sp modelId="{6393270E-11D7-438A-8E02-71BC0A6A3161}">
+      <dsp:nvSpPr>
+        <dsp:cNvPr id="0" name=""/>
+        <dsp:cNvSpPr/>
+      </dsp:nvSpPr>
+      <dsp:spPr>
+        <a:xfrm rot="2142401">
+          <a:off x="5021085" y="2340492"/>
+          <a:ext cx="632384" cy="26630"/>
+        </a:xfrm>
+        <a:custGeom>
+          <a:avLst/>
+          <a:gdLst/>
+          <a:ahLst/>
+          <a:cxnLst/>
+          <a:rect l="0" t="0" r="0" b="0"/>
+          <a:pathLst>
+            <a:path>
+              <a:moveTo>
+                <a:pt x="0" y="13315"/>
+              </a:moveTo>
+              <a:lnTo>
+                <a:pt x="632384" y="13315"/>
+              </a:lnTo>
+            </a:path>
+          </a:pathLst>
+        </a:custGeom>
+        <a:noFill/>
+        <a:ln w="12700" cap="flat" cmpd="sng" algn="ctr">
+          <a:solidFill>
+            <a:schemeClr val="accent4">
+              <a:hueOff val="0"/>
+              <a:satOff val="0"/>
+              <a:lumOff val="0"/>
+              <a:alphaOff val="0"/>
+            </a:schemeClr>
+          </a:solidFill>
+          <a:prstDash val="solid"/>
+          <a:miter lim="800000"/>
+        </a:ln>
+        <a:effectLst/>
+        <a:scene3d>
+          <a:camera prst="orthographicFront"/>
+          <a:lightRig rig="chilly" dir="t"/>
+        </a:scene3d>
+        <a:sp3d z="-40000" prstMaterial="matte"/>
+      </dsp:spPr>
+      <dsp:style>
+        <a:lnRef idx="2">
+          <a:scrgbClr r="0" g="0" b="0"/>
+        </a:lnRef>
+        <a:fillRef idx="0">
+          <a:scrgbClr r="0" g="0" b="0"/>
+        </a:fillRef>
+        <a:effectRef idx="0">
+          <a:scrgbClr r="0" g="0" b="0"/>
+        </a:effectRef>
+        <a:fontRef idx="minor"/>
+      </dsp:style>
+      <dsp:txBody>
+        <a:bodyPr spcFirstLastPara="0" vert="horz" wrap="square" lIns="12700" tIns="0" rIns="12700" bIns="0" numCol="1" spcCol="1270" anchor="ctr" anchorCtr="0">
+          <a:noAutofit/>
+        </a:bodyPr>
+        <a:lstStyle/>
+        <a:p>
+          <a:pPr lvl="0" algn="ctr" defTabSz="222250">
+            <a:lnSpc>
+              <a:spcPct val="90000"/>
+            </a:lnSpc>
+            <a:spcBef>
+              <a:spcPct val="0"/>
+            </a:spcBef>
+            <a:spcAft>
+              <a:spcPct val="35000"/>
+            </a:spcAft>
+          </a:pPr>
+          <a:endParaRPr lang="fr-FR" sz="500" kern="1200"/>
+        </a:p>
+      </dsp:txBody>
+      <dsp:txXfrm>
+        <a:off x="5321468" y="2337998"/>
+        <a:ext cx="31619" cy="31619"/>
+      </dsp:txXfrm>
+    </dsp:sp>
+    <dsp:sp modelId="{4C4B1196-1238-4573-A116-F116182B8024}">
+      <dsp:nvSpPr>
+        <dsp:cNvPr id="0" name=""/>
+        <dsp:cNvSpPr/>
+      </dsp:nvSpPr>
+      <dsp:spPr>
+        <a:xfrm>
+          <a:off x="5594031" y="2217408"/>
+          <a:ext cx="3762883" cy="641882"/>
+        </a:xfrm>
+        <a:prstGeom prst="roundRect">
+          <a:avLst>
+            <a:gd name="adj" fmla="val 10000"/>
+          </a:avLst>
+        </a:prstGeom>
+        <a:solidFill>
+          <a:schemeClr val="accent4">
+            <a:hueOff val="0"/>
+            <a:satOff val="0"/>
+            <a:lumOff val="0"/>
+            <a:alphaOff val="0"/>
+          </a:schemeClr>
+        </a:solidFill>
+        <a:ln>
+          <a:noFill/>
+        </a:ln>
+        <a:effectLst/>
+        <a:scene3d>
+          <a:camera prst="orthographicFront"/>
+          <a:lightRig rig="chilly" dir="t"/>
+        </a:scene3d>
+        <a:sp3d prstMaterial="translucentPowder">
+          <a:bevelT w="127000" h="25400" prst="softRound"/>
+        </a:sp3d>
+      </dsp:spPr>
+      <dsp:style>
+        <a:lnRef idx="0">
+          <a:scrgbClr r="0" g="0" b="0"/>
+        </a:lnRef>
+        <a:fillRef idx="1">
+          <a:scrgbClr r="0" g="0" b="0"/>
+        </a:fillRef>
+        <a:effectRef idx="0">
+          <a:scrgbClr r="0" g="0" b="0"/>
+        </a:effectRef>
+        <a:fontRef idx="minor">
+          <a:schemeClr val="lt1"/>
+        </a:fontRef>
+      </dsp:style>
+      <dsp:txBody>
+        <a:bodyPr spcFirstLastPara="0" vert="horz" wrap="square" lIns="12700" tIns="12700" rIns="12700" bIns="12700" numCol="1" spcCol="1270" anchor="ctr" anchorCtr="0">
+          <a:noAutofit/>
+        </a:bodyPr>
+        <a:lstStyle/>
+        <a:p>
+          <a:pPr lvl="0" algn="ctr" defTabSz="889000">
+            <a:lnSpc>
+              <a:spcPct val="90000"/>
+            </a:lnSpc>
+            <a:spcBef>
+              <a:spcPct val="0"/>
+            </a:spcBef>
+            <a:spcAft>
+              <a:spcPct val="35000"/>
+            </a:spcAft>
+          </a:pPr>
+          <a:r>
+            <a:rPr lang="fr-FR" sz="2000" kern="1200" dirty="0" smtClean="0"/>
+            <a:t>DSTMD</a:t>
+          </a:r>
+          <a:endParaRPr lang="fr-FR" sz="2000" kern="1200" dirty="0"/>
+        </a:p>
+      </dsp:txBody>
+      <dsp:txXfrm>
+        <a:off x="5612831" y="2236208"/>
+        <a:ext cx="3725283" cy="604282"/>
+      </dsp:txXfrm>
+    </dsp:sp>
+    <dsp:sp modelId="{415B8990-3139-4A53-9627-2E1BB0C842C9}">
+      <dsp:nvSpPr>
+        <dsp:cNvPr id="0" name=""/>
+        <dsp:cNvSpPr/>
+      </dsp:nvSpPr>
+      <dsp:spPr>
+        <a:xfrm rot="4047290">
+          <a:off x="4704754" y="2718812"/>
+          <a:ext cx="1218870" cy="26630"/>
+        </a:xfrm>
+        <a:custGeom>
+          <a:avLst/>
+          <a:gdLst/>
+          <a:ahLst/>
+          <a:cxnLst/>
+          <a:rect l="0" t="0" r="0" b="0"/>
+          <a:pathLst>
+            <a:path>
+              <a:moveTo>
+                <a:pt x="0" y="13315"/>
+              </a:moveTo>
+              <a:lnTo>
+                <a:pt x="1218870" y="13315"/>
+              </a:lnTo>
+            </a:path>
+          </a:pathLst>
+        </a:custGeom>
+        <a:noFill/>
+        <a:ln w="12700" cap="flat" cmpd="sng" algn="ctr">
+          <a:solidFill>
+            <a:schemeClr val="accent4">
+              <a:hueOff val="0"/>
+              <a:satOff val="0"/>
+              <a:lumOff val="0"/>
+              <a:alphaOff val="0"/>
+            </a:schemeClr>
+          </a:solidFill>
+          <a:prstDash val="solid"/>
+          <a:miter lim="800000"/>
+        </a:ln>
+        <a:effectLst/>
+        <a:scene3d>
+          <a:camera prst="orthographicFront"/>
+          <a:lightRig rig="chilly" dir="t"/>
+        </a:scene3d>
+        <a:sp3d z="-40000" prstMaterial="matte"/>
+      </dsp:spPr>
+      <dsp:style>
+        <a:lnRef idx="2">
+          <a:scrgbClr r="0" g="0" b="0"/>
+        </a:lnRef>
+        <a:fillRef idx="0">
+          <a:scrgbClr r="0" g="0" b="0"/>
+        </a:fillRef>
+        <a:effectRef idx="0">
+          <a:scrgbClr r="0" g="0" b="0"/>
+        </a:effectRef>
+        <a:fontRef idx="minor"/>
+      </dsp:style>
+      <dsp:txBody>
+        <a:bodyPr spcFirstLastPara="0" vert="horz" wrap="square" lIns="12700" tIns="0" rIns="12700" bIns="0" numCol="1" spcCol="1270" anchor="ctr" anchorCtr="0">
+          <a:noAutofit/>
+        </a:bodyPr>
+        <a:lstStyle/>
+        <a:p>
+          <a:pPr lvl="0" algn="ctr" defTabSz="222250">
+            <a:lnSpc>
+              <a:spcPct val="90000"/>
+            </a:lnSpc>
+            <a:spcBef>
+              <a:spcPct val="0"/>
+            </a:spcBef>
+            <a:spcAft>
+              <a:spcPct val="35000"/>
+            </a:spcAft>
+          </a:pPr>
+          <a:endParaRPr lang="fr-FR" sz="500" kern="1200"/>
+        </a:p>
+      </dsp:txBody>
+      <dsp:txXfrm>
+        <a:off x="5283717" y="2701655"/>
+        <a:ext cx="60943" cy="60943"/>
+      </dsp:txXfrm>
+    </dsp:sp>
+    <dsp:sp modelId="{6CBBB886-410E-4FD6-9DFC-B80B7EB9F71B}">
+      <dsp:nvSpPr>
+        <dsp:cNvPr id="0" name=""/>
+        <dsp:cNvSpPr/>
+      </dsp:nvSpPr>
+      <dsp:spPr>
+        <a:xfrm>
+          <a:off x="5547854" y="2974046"/>
+          <a:ext cx="3766041" cy="641882"/>
+        </a:xfrm>
+        <a:prstGeom prst="roundRect">
+          <a:avLst>
+            <a:gd name="adj" fmla="val 10000"/>
+          </a:avLst>
+        </a:prstGeom>
+        <a:solidFill>
+          <a:schemeClr val="accent4">
+            <a:hueOff val="0"/>
+            <a:satOff val="0"/>
+            <a:lumOff val="0"/>
+            <a:alphaOff val="0"/>
+          </a:schemeClr>
+        </a:solidFill>
+        <a:ln>
+          <a:noFill/>
+        </a:ln>
+        <a:effectLst/>
+        <a:scene3d>
+          <a:camera prst="orthographicFront"/>
+          <a:lightRig rig="chilly" dir="t"/>
+        </a:scene3d>
+        <a:sp3d prstMaterial="translucentPowder">
+          <a:bevelT w="127000" h="25400" prst="softRound"/>
+        </a:sp3d>
+      </dsp:spPr>
+      <dsp:style>
+        <a:lnRef idx="0">
+          <a:scrgbClr r="0" g="0" b="0"/>
+        </a:lnRef>
+        <a:fillRef idx="1">
+          <a:scrgbClr r="0" g="0" b="0"/>
+        </a:fillRef>
+        <a:effectRef idx="0">
+          <a:scrgbClr r="0" g="0" b="0"/>
+        </a:effectRef>
+        <a:fontRef idx="minor">
+          <a:schemeClr val="lt1"/>
+        </a:fontRef>
+      </dsp:style>
+      <dsp:txBody>
+        <a:bodyPr spcFirstLastPara="0" vert="horz" wrap="square" lIns="12700" tIns="12700" rIns="12700" bIns="12700" numCol="1" spcCol="1270" anchor="ctr" anchorCtr="0">
+          <a:noAutofit/>
+        </a:bodyPr>
+        <a:lstStyle/>
+        <a:p>
+          <a:pPr lvl="0" algn="ctr" defTabSz="889000">
+            <a:lnSpc>
+              <a:spcPct val="90000"/>
+            </a:lnSpc>
+            <a:spcBef>
+              <a:spcPct val="0"/>
+            </a:spcBef>
+            <a:spcAft>
+              <a:spcPct val="35000"/>
+            </a:spcAft>
+          </a:pPr>
+          <a:r>
+            <a:rPr lang="fr-FR" sz="2000" kern="1200" dirty="0" smtClean="0"/>
+            <a:t>STMD+</a:t>
+          </a:r>
+          <a:endParaRPr lang="fr-FR" sz="2000" kern="1200" dirty="0"/>
+        </a:p>
+      </dsp:txBody>
+      <dsp:txXfrm>
+        <a:off x="5566654" y="2992846"/>
+        <a:ext cx="3728441" cy="604282"/>
+      </dsp:txXfrm>
+    </dsp:sp>
+    <dsp:sp modelId="{4B3B431C-A18B-4F5F-BC07-4096CCA408A2}">
+      <dsp:nvSpPr>
+        <dsp:cNvPr id="0" name=""/>
+        <dsp:cNvSpPr/>
+      </dsp:nvSpPr>
+      <dsp:spPr>
+        <a:xfrm rot="4467012">
+          <a:off x="4379515" y="3078657"/>
+          <a:ext cx="1915525" cy="26630"/>
+        </a:xfrm>
+        <a:custGeom>
+          <a:avLst/>
+          <a:gdLst/>
+          <a:ahLst/>
+          <a:cxnLst/>
+          <a:rect l="0" t="0" r="0" b="0"/>
+          <a:pathLst>
+            <a:path>
+              <a:moveTo>
+                <a:pt x="0" y="13315"/>
+              </a:moveTo>
+              <a:lnTo>
+                <a:pt x="1915525" y="13315"/>
+              </a:lnTo>
+            </a:path>
+          </a:pathLst>
+        </a:custGeom>
+        <a:noFill/>
+        <a:ln w="12700" cap="flat" cmpd="sng" algn="ctr">
+          <a:solidFill>
+            <a:schemeClr val="accent4">
+              <a:hueOff val="0"/>
+              <a:satOff val="0"/>
+              <a:lumOff val="0"/>
+              <a:alphaOff val="0"/>
+            </a:schemeClr>
+          </a:solidFill>
+          <a:prstDash val="solid"/>
+          <a:miter lim="800000"/>
+        </a:ln>
+        <a:effectLst/>
+        <a:scene3d>
+          <a:camera prst="orthographicFront"/>
+          <a:lightRig rig="chilly" dir="t"/>
+        </a:scene3d>
+        <a:sp3d z="-40000" prstMaterial="matte"/>
+      </dsp:spPr>
+      <dsp:style>
+        <a:lnRef idx="2">
+          <a:scrgbClr r="0" g="0" b="0"/>
+        </a:lnRef>
+        <a:fillRef idx="0">
+          <a:scrgbClr r="0" g="0" b="0"/>
+        </a:fillRef>
+        <a:effectRef idx="0">
+          <a:scrgbClr r="0" g="0" b="0"/>
+        </a:effectRef>
+        <a:fontRef idx="minor"/>
+      </dsp:style>
+      <dsp:txBody>
+        <a:bodyPr spcFirstLastPara="0" vert="horz" wrap="square" lIns="12700" tIns="0" rIns="12700" bIns="0" numCol="1" spcCol="1270" anchor="ctr" anchorCtr="0">
+          <a:noAutofit/>
+        </a:bodyPr>
+        <a:lstStyle/>
+        <a:p>
+          <a:pPr lvl="0" algn="ctr" defTabSz="266700">
+            <a:lnSpc>
+              <a:spcPct val="90000"/>
+            </a:lnSpc>
+            <a:spcBef>
+              <a:spcPct val="0"/>
+            </a:spcBef>
+            <a:spcAft>
+              <a:spcPct val="35000"/>
+            </a:spcAft>
+          </a:pPr>
+          <a:endParaRPr lang="fr-FR" sz="600" kern="1200"/>
+        </a:p>
+      </dsp:txBody>
+      <dsp:txXfrm>
+        <a:off x="5289389" y="3044085"/>
+        <a:ext cx="95776" cy="95776"/>
+      </dsp:txXfrm>
+    </dsp:sp>
+    <dsp:sp modelId="{6F1407A1-CB2D-477E-8127-F72A7F2369F3}">
+      <dsp:nvSpPr>
+        <dsp:cNvPr id="0" name=""/>
+        <dsp:cNvSpPr/>
+      </dsp:nvSpPr>
+      <dsp:spPr>
+        <a:xfrm>
+          <a:off x="5594031" y="3693738"/>
+          <a:ext cx="3710621" cy="641882"/>
+        </a:xfrm>
+        <a:prstGeom prst="roundRect">
+          <a:avLst>
+            <a:gd name="adj" fmla="val 10000"/>
+          </a:avLst>
+        </a:prstGeom>
+        <a:solidFill>
+          <a:schemeClr val="accent4">
+            <a:hueOff val="0"/>
+            <a:satOff val="0"/>
+            <a:lumOff val="0"/>
+            <a:alphaOff val="0"/>
+          </a:schemeClr>
+        </a:solidFill>
+        <a:ln>
+          <a:noFill/>
+        </a:ln>
+        <a:effectLst/>
+        <a:scene3d>
+          <a:camera prst="orthographicFront"/>
+          <a:lightRig rig="chilly" dir="t"/>
+        </a:scene3d>
+        <a:sp3d prstMaterial="translucentPowder">
+          <a:bevelT w="127000" h="25400" prst="softRound"/>
+        </a:sp3d>
+      </dsp:spPr>
+      <dsp:style>
+        <a:lnRef idx="0">
+          <a:scrgbClr r="0" g="0" b="0"/>
+        </a:lnRef>
+        <a:fillRef idx="1">
+          <a:scrgbClr r="0" g="0" b="0"/>
+        </a:fillRef>
+        <a:effectRef idx="0">
+          <a:scrgbClr r="0" g="0" b="0"/>
+        </a:effectRef>
+        <a:fontRef idx="minor">
+          <a:schemeClr val="lt1"/>
+        </a:fontRef>
+      </dsp:style>
+      <dsp:txBody>
+        <a:bodyPr spcFirstLastPara="0" vert="horz" wrap="square" lIns="12700" tIns="12700" rIns="12700" bIns="12700" numCol="1" spcCol="1270" anchor="ctr" anchorCtr="0">
+          <a:noAutofit/>
+        </a:bodyPr>
+        <a:lstStyle/>
+        <a:p>
+          <a:pPr lvl="0" algn="ctr" defTabSz="889000">
+            <a:lnSpc>
+              <a:spcPct val="90000"/>
+            </a:lnSpc>
+            <a:spcBef>
+              <a:spcPct val="0"/>
+            </a:spcBef>
+            <a:spcAft>
+              <a:spcPct val="35000"/>
+            </a:spcAft>
+          </a:pPr>
+          <a:r>
+            <a:rPr lang="fr-FR" sz="2000" kern="1200" dirty="0" err="1" smtClean="0"/>
+            <a:t>Apg</a:t>
+          </a:r>
+          <a:r>
+            <a:rPr lang="fr-FR" sz="2000" kern="1200" dirty="0" smtClean="0"/>
+            <a:t>-STMD</a:t>
+          </a:r>
+          <a:endParaRPr lang="fr-FR" sz="2000" kern="1200" dirty="0"/>
+        </a:p>
+      </dsp:txBody>
+      <dsp:txXfrm>
+        <a:off x="5612831" y="3712538"/>
+        <a:ext cx="3673021" cy="604282"/>
+      </dsp:txXfrm>
+    </dsp:sp>
   </dsp:spTree>
 </dsp:drawing>
 </file>
@@ -3842,7 +5547,7 @@
           <a:p>
             <a:fld id="{33742416-9049-4334-988E-C635891E4A2A}" type="datetimeFigureOut">
               <a:rPr lang="fr-FR" smtClean="0"/>
-              <a:t>25/04/2023</a:t>
+              <a:t>09/05/2023</a:t>
             </a:fld>
             <a:endParaRPr lang="fr-FR"/>
           </a:p>
@@ -4329,7 +6034,7 @@
           <a:p>
             <a:fld id="{E819386D-BC08-42BF-8EEF-DD93EBEE5FCC}" type="datetimeFigureOut">
               <a:rPr lang="fr-FR" smtClean="0"/>
-              <a:t>25/04/2023</a:t>
+              <a:t>09/05/2023</a:t>
             </a:fld>
             <a:endParaRPr lang="fr-FR"/>
           </a:p>
@@ -4499,7 +6204,7 @@
           <a:p>
             <a:fld id="{E819386D-BC08-42BF-8EEF-DD93EBEE5FCC}" type="datetimeFigureOut">
               <a:rPr lang="fr-FR" smtClean="0"/>
-              <a:t>25/04/2023</a:t>
+              <a:t>09/05/2023</a:t>
             </a:fld>
             <a:endParaRPr lang="fr-FR"/>
           </a:p>
@@ -4679,7 +6384,7 @@
           <a:p>
             <a:fld id="{E819386D-BC08-42BF-8EEF-DD93EBEE5FCC}" type="datetimeFigureOut">
               <a:rPr lang="fr-FR" smtClean="0"/>
-              <a:t>25/04/2023</a:t>
+              <a:t>09/05/2023</a:t>
             </a:fld>
             <a:endParaRPr lang="fr-FR"/>
           </a:p>
@@ -4849,7 +6554,7 @@
           <a:p>
             <a:fld id="{E819386D-BC08-42BF-8EEF-DD93EBEE5FCC}" type="datetimeFigureOut">
               <a:rPr lang="fr-FR" smtClean="0"/>
-              <a:t>25/04/2023</a:t>
+              <a:t>09/05/2023</a:t>
             </a:fld>
             <a:endParaRPr lang="fr-FR"/>
           </a:p>
@@ -5095,7 +6800,7 @@
           <a:p>
             <a:fld id="{E819386D-BC08-42BF-8EEF-DD93EBEE5FCC}" type="datetimeFigureOut">
               <a:rPr lang="fr-FR" smtClean="0"/>
-              <a:t>25/04/2023</a:t>
+              <a:t>09/05/2023</a:t>
             </a:fld>
             <a:endParaRPr lang="fr-FR"/>
           </a:p>
@@ -5327,7 +7032,7 @@
           <a:p>
             <a:fld id="{E819386D-BC08-42BF-8EEF-DD93EBEE5FCC}" type="datetimeFigureOut">
               <a:rPr lang="fr-FR" smtClean="0"/>
-              <a:t>25/04/2023</a:t>
+              <a:t>09/05/2023</a:t>
             </a:fld>
             <a:endParaRPr lang="fr-FR"/>
           </a:p>
@@ -5694,7 +7399,7 @@
           <a:p>
             <a:fld id="{E819386D-BC08-42BF-8EEF-DD93EBEE5FCC}" type="datetimeFigureOut">
               <a:rPr lang="fr-FR" smtClean="0"/>
-              <a:t>25/04/2023</a:t>
+              <a:t>09/05/2023</a:t>
             </a:fld>
             <a:endParaRPr lang="fr-FR"/>
           </a:p>
@@ -5812,7 +7517,7 @@
           <a:p>
             <a:fld id="{E819386D-BC08-42BF-8EEF-DD93EBEE5FCC}" type="datetimeFigureOut">
               <a:rPr lang="fr-FR" smtClean="0"/>
-              <a:t>25/04/2023</a:t>
+              <a:t>09/05/2023</a:t>
             </a:fld>
             <a:endParaRPr lang="fr-FR"/>
           </a:p>
@@ -5907,7 +7612,7 @@
           <a:p>
             <a:fld id="{E819386D-BC08-42BF-8EEF-DD93EBEE5FCC}" type="datetimeFigureOut">
               <a:rPr lang="fr-FR" smtClean="0"/>
-              <a:t>25/04/2023</a:t>
+              <a:t>09/05/2023</a:t>
             </a:fld>
             <a:endParaRPr lang="fr-FR"/>
           </a:p>
@@ -6184,7 +7889,7 @@
           <a:p>
             <a:fld id="{E819386D-BC08-42BF-8EEF-DD93EBEE5FCC}" type="datetimeFigureOut">
               <a:rPr lang="fr-FR" smtClean="0"/>
-              <a:t>25/04/2023</a:t>
+              <a:t>09/05/2023</a:t>
             </a:fld>
             <a:endParaRPr lang="fr-FR"/>
           </a:p>
@@ -6437,7 +8142,7 @@
           <a:p>
             <a:fld id="{E819386D-BC08-42BF-8EEF-DD93EBEE5FCC}" type="datetimeFigureOut">
               <a:rPr lang="fr-FR" smtClean="0"/>
-              <a:t>25/04/2023</a:t>
+              <a:t>09/05/2023</a:t>
             </a:fld>
             <a:endParaRPr lang="fr-FR"/>
           </a:p>
@@ -6650,7 +8355,7 @@
           <a:p>
             <a:fld id="{E819386D-BC08-42BF-8EEF-DD93EBEE5FCC}" type="datetimeFigureOut">
               <a:rPr lang="fr-FR" smtClean="0"/>
-              <a:t>25/04/2023</a:t>
+              <a:t>09/05/2023</a:t>
             </a:fld>
             <a:endParaRPr lang="fr-FR"/>
           </a:p>
@@ -7817,25 +9522,6 @@
             <a:endParaRPr lang="fr-FR" dirty="0" smtClean="0"/>
           </a:p>
           <a:p>
-            <a:pPr lvl="1" algn="l"/>
-            <a:endParaRPr lang="fr-FR" dirty="0" smtClean="0"/>
-          </a:p>
-          <a:p>
-            <a:pPr marL="4171950" lvl="8" indent="-514350" algn="l">
-              <a:lnSpc>
-                <a:spcPct val="150000"/>
-              </a:lnSpc>
-              <a:buFont typeface="+mj-lt"/>
-              <a:buAutoNum type="arabicPeriod"/>
-            </a:pPr>
-            <a:endParaRPr lang="fr-FR" sz="2400" b="1" dirty="0" smtClean="0">
-              <a:solidFill>
-                <a:schemeClr val="bg1"/>
-              </a:solidFill>
-              <a:latin typeface="Bell MT" panose="02020503060305020303" pitchFamily="18" charset="0"/>
-            </a:endParaRPr>
-          </a:p>
-          <a:p>
             <a:pPr lvl="8" algn="l">
               <a:lnSpc>
                 <a:spcPct val="150000"/>
@@ -7851,7 +9537,7 @@
           <a:p>
             <a:pPr marL="4171950" lvl="8" indent="-514350" algn="l">
               <a:lnSpc>
-                <a:spcPct val="150000"/>
+                <a:spcPct val="200000"/>
               </a:lnSpc>
               <a:buFont typeface="+mj-lt"/>
               <a:buAutoNum type="arabicPeriod"/>
@@ -7863,17 +9549,56 @@
                 </a:solidFill>
                 <a:latin typeface="Bell MT" panose="02020503060305020303" pitchFamily="18" charset="0"/>
               </a:rPr>
-              <a:t>Introduction Générale</a:t>
-            </a:r>
+              <a:t>Introduction</a:t>
+            </a:r>
+            <a:endParaRPr lang="fr-FR" sz="2400" b="1" dirty="0" smtClean="0">
+              <a:solidFill>
+                <a:schemeClr val="bg1"/>
+              </a:solidFill>
+              <a:latin typeface="Bell MT" panose="02020503060305020303" pitchFamily="18" charset="0"/>
+            </a:endParaRPr>
           </a:p>
           <a:p>
             <a:pPr marL="4171950" lvl="8" indent="-514350" algn="l">
               <a:lnSpc>
-                <a:spcPct val="150000"/>
+                <a:spcPct val="200000"/>
               </a:lnSpc>
               <a:buFont typeface="+mj-lt"/>
               <a:buAutoNum type="arabicPeriod"/>
             </a:pPr>
+            <a:r>
+              <a:rPr lang="fr-FR" sz="2400" b="1" dirty="0" err="1" smtClean="0">
+                <a:solidFill>
+                  <a:schemeClr val="bg1"/>
+                </a:solidFill>
+                <a:latin typeface="Bell MT" panose="02020503060305020303" pitchFamily="18" charset="0"/>
+              </a:rPr>
+              <a:t>Problem</a:t>
+            </a:r>
+            <a:endParaRPr lang="fr-FR" sz="2400" b="1" dirty="0" smtClean="0">
+              <a:solidFill>
+                <a:schemeClr val="bg1"/>
+              </a:solidFill>
+              <a:latin typeface="Bell MT" panose="02020503060305020303" pitchFamily="18" charset="0"/>
+            </a:endParaRPr>
+          </a:p>
+          <a:p>
+            <a:pPr marL="4171950" lvl="8" indent="-514350" algn="l">
+              <a:lnSpc>
+                <a:spcPct val="200000"/>
+              </a:lnSpc>
+              <a:buFont typeface="+mj-lt"/>
+              <a:buAutoNum type="arabicPeriod"/>
+            </a:pPr>
+            <a:r>
+              <a:rPr lang="fr-FR" sz="2400" b="1" dirty="0" err="1" smtClean="0">
+                <a:solidFill>
+                  <a:schemeClr val="bg1"/>
+                </a:solidFill>
+                <a:latin typeface="Bell MT" panose="02020503060305020303" pitchFamily="18" charset="0"/>
+              </a:rPr>
+              <a:t>Traditional</a:t>
+            </a:r>
             <a:r>
               <a:rPr lang="fr-FR" sz="2400" b="1" dirty="0" smtClean="0">
                 <a:solidFill>
@@ -7881,17 +9606,101 @@
                 </a:solidFill>
                 <a:latin typeface="Bell MT" panose="02020503060305020303" pitchFamily="18" charset="0"/>
               </a:rPr>
-              <a:t>Problématique</a:t>
-            </a:r>
+              <a:t> </a:t>
+            </a:r>
+            <a:r>
+              <a:rPr lang="fr-FR" sz="2400" b="1" dirty="0">
+                <a:solidFill>
+                  <a:schemeClr val="bg1"/>
+                </a:solidFill>
+                <a:latin typeface="Bell MT" panose="02020503060305020303" pitchFamily="18" charset="0"/>
+              </a:rPr>
+              <a:t>motion </a:t>
+            </a:r>
+            <a:r>
+              <a:rPr lang="fr-FR" sz="2400" b="1" dirty="0" err="1">
+                <a:solidFill>
+                  <a:schemeClr val="bg1"/>
+                </a:solidFill>
+                <a:latin typeface="Bell MT" panose="02020503060305020303" pitchFamily="18" charset="0"/>
+              </a:rPr>
+              <a:t>detection</a:t>
+            </a:r>
+            <a:r>
+              <a:rPr lang="fr-FR" sz="2400" b="1" dirty="0">
+                <a:solidFill>
+                  <a:schemeClr val="bg1"/>
+                </a:solidFill>
+                <a:latin typeface="Bell MT" panose="02020503060305020303" pitchFamily="18" charset="0"/>
+              </a:rPr>
+              <a:t> </a:t>
+            </a:r>
+            <a:r>
+              <a:rPr lang="fr-FR" sz="2400" b="1" dirty="0" err="1" smtClean="0">
+                <a:solidFill>
+                  <a:schemeClr val="bg1"/>
+                </a:solidFill>
+                <a:latin typeface="Bell MT" panose="02020503060305020303" pitchFamily="18" charset="0"/>
+              </a:rPr>
+              <a:t>methods</a:t>
+            </a:r>
+            <a:endParaRPr lang="fr-FR" sz="2400" b="1" dirty="0" smtClean="0">
+              <a:solidFill>
+                <a:schemeClr val="bg1"/>
+              </a:solidFill>
+              <a:latin typeface="Bell MT" panose="02020503060305020303" pitchFamily="18" charset="0"/>
+            </a:endParaRPr>
           </a:p>
           <a:p>
             <a:pPr marL="4171950" lvl="8" indent="-514350" algn="l">
               <a:lnSpc>
-                <a:spcPct val="150000"/>
+                <a:spcPct val="200000"/>
               </a:lnSpc>
               <a:buFont typeface="+mj-lt"/>
               <a:buAutoNum type="arabicPeriod"/>
             </a:pPr>
+            <a:r>
+              <a:rPr lang="en-US" sz="2400" b="1" dirty="0">
+                <a:solidFill>
+                  <a:schemeClr val="bg1"/>
+                </a:solidFill>
+                <a:latin typeface="Bell MT" panose="02020503060305020303" pitchFamily="18" charset="0"/>
+              </a:rPr>
+              <a:t>Formulation of the bio-inspired </a:t>
+            </a:r>
+            <a:r>
+              <a:rPr lang="en-US" sz="2400" b="1" dirty="0" smtClean="0">
+                <a:solidFill>
+                  <a:schemeClr val="bg1"/>
+                </a:solidFill>
+                <a:latin typeface="Bell MT" panose="02020503060305020303" pitchFamily="18" charset="0"/>
+              </a:rPr>
+              <a:t>system</a:t>
+            </a:r>
+            <a:endParaRPr lang="fr-FR" sz="2400" b="1" dirty="0" smtClean="0">
+              <a:solidFill>
+                <a:schemeClr val="bg1"/>
+              </a:solidFill>
+              <a:latin typeface="Bell MT" panose="02020503060305020303" pitchFamily="18" charset="0"/>
+            </a:endParaRPr>
+          </a:p>
+          <a:p>
+            <a:pPr marL="4171950" lvl="8" indent="-514350" algn="l">
+              <a:lnSpc>
+                <a:spcPct val="200000"/>
+              </a:lnSpc>
+              <a:buFont typeface="+mj-lt"/>
+              <a:buAutoNum type="arabicPeriod"/>
+            </a:pPr>
+            <a:r>
+              <a:rPr lang="fr-FR" sz="2400" b="1" dirty="0" err="1" smtClean="0">
+                <a:solidFill>
+                  <a:schemeClr val="bg1"/>
+                </a:solidFill>
+                <a:latin typeface="Bell MT" panose="02020503060305020303" pitchFamily="18" charset="0"/>
+              </a:rPr>
+              <a:t>Experiments</a:t>
+            </a:r>
             <a:r>
               <a:rPr lang="fr-FR" sz="2400" b="1" dirty="0" smtClean="0">
                 <a:solidFill>
@@ -7899,26 +9708,50 @@
                 </a:solidFill>
                 <a:latin typeface="Bell MT" panose="02020503060305020303" pitchFamily="18" charset="0"/>
               </a:rPr>
-              <a:t>Small Target Motion Detectors </a:t>
-            </a:r>
-          </a:p>
-          <a:p>
-            <a:pPr marL="4171950" lvl="8" indent="-514350" algn="l">
-              <a:lnSpc>
-                <a:spcPct val="150000"/>
-              </a:lnSpc>
-              <a:buFont typeface="+mj-lt"/>
-              <a:buAutoNum type="arabicPeriod"/>
-            </a:pPr>
-            <a:r>
-              <a:rPr lang="fr-FR" sz="2400" b="1" dirty="0" err="1" smtClean="0">
+              <a:t> </a:t>
+            </a:r>
+            <a:r>
+              <a:rPr lang="fr-FR" sz="2400" b="1" dirty="0">
                 <a:solidFill>
                   <a:schemeClr val="bg1"/>
                 </a:solidFill>
                 <a:latin typeface="Bell MT" panose="02020503060305020303" pitchFamily="18" charset="0"/>
               </a:rPr>
-              <a:t>Directional</a:t>
-            </a:r>
+              <a:t>and </a:t>
+            </a:r>
+            <a:r>
+              <a:rPr lang="fr-FR" sz="2400" b="1" dirty="0" err="1">
+                <a:solidFill>
+                  <a:schemeClr val="bg1"/>
+                </a:solidFill>
+                <a:latin typeface="Bell MT" panose="02020503060305020303" pitchFamily="18" charset="0"/>
+              </a:rPr>
+              <a:t>Results</a:t>
+            </a:r>
+            <a:r>
+              <a:rPr lang="fr-FR" sz="2400" b="1" dirty="0">
+                <a:solidFill>
+                  <a:schemeClr val="bg1"/>
+                </a:solidFill>
+                <a:latin typeface="Bell MT" panose="02020503060305020303" pitchFamily="18" charset="0"/>
+              </a:rPr>
+              <a:t>	</a:t>
+            </a:r>
+            <a:endParaRPr lang="fr-FR" sz="2400" b="1" dirty="0" smtClean="0">
+              <a:solidFill>
+                <a:schemeClr val="bg1"/>
+              </a:solidFill>
+              <a:latin typeface="Bell MT" panose="02020503060305020303" pitchFamily="18" charset="0"/>
+            </a:endParaRPr>
+          </a:p>
+          <a:p>
+            <a:pPr marL="4171950" lvl="8" indent="-514350" algn="l">
+              <a:lnSpc>
+                <a:spcPct val="200000"/>
+              </a:lnSpc>
+              <a:buFont typeface="+mj-lt"/>
+              <a:buAutoNum type="arabicPeriod"/>
+            </a:pPr>
             <a:r>
               <a:rPr lang="fr-FR" sz="2400" b="1" dirty="0" smtClean="0">
                 <a:solidFill>
@@ -7926,58 +9759,7 @@
                 </a:solidFill>
                 <a:latin typeface="Bell MT" panose="02020503060305020303" pitchFamily="18" charset="0"/>
               </a:rPr>
-              <a:t> Small Target Motion Detectors</a:t>
-            </a:r>
-          </a:p>
-          <a:p>
-            <a:pPr marL="4171950" lvl="8" indent="-514350" algn="l">
-              <a:lnSpc>
-                <a:spcPct val="150000"/>
-              </a:lnSpc>
-              <a:buFont typeface="+mj-lt"/>
-              <a:buAutoNum type="arabicPeriod"/>
-            </a:pPr>
-            <a:r>
-              <a:rPr lang="fr-FR" sz="2400" b="1" dirty="0" smtClean="0">
-                <a:solidFill>
-                  <a:schemeClr val="bg1"/>
-                </a:solidFill>
-                <a:latin typeface="Bell MT" panose="02020503060305020303" pitchFamily="18" charset="0"/>
-              </a:rPr>
-              <a:t>Neural Network </a:t>
-            </a:r>
-            <a:r>
-              <a:rPr lang="fr-FR" sz="2400" b="1" dirty="0" err="1" smtClean="0">
-                <a:solidFill>
-                  <a:schemeClr val="bg1"/>
-                </a:solidFill>
-                <a:latin typeface="Bell MT" panose="02020503060305020303" pitchFamily="18" charset="0"/>
-              </a:rPr>
-              <a:t>Programming</a:t>
-            </a:r>
-            <a:endParaRPr lang="fr-FR" sz="2400" b="1" dirty="0" smtClean="0">
-              <a:solidFill>
-                <a:schemeClr val="bg1"/>
-              </a:solidFill>
-              <a:latin typeface="Bell MT" panose="02020503060305020303" pitchFamily="18" charset="0"/>
-            </a:endParaRPr>
-          </a:p>
-          <a:p>
-            <a:pPr marL="4171950" lvl="8" indent="-514350" algn="l">
-              <a:lnSpc>
-                <a:spcPct val="150000"/>
-              </a:lnSpc>
-              <a:buFont typeface="+mj-lt"/>
-              <a:buAutoNum type="arabicPeriod"/>
-            </a:pPr>
-            <a:r>
-              <a:rPr lang="fr-FR" sz="2400" b="1" dirty="0" err="1" smtClean="0">
-                <a:solidFill>
-                  <a:schemeClr val="bg1"/>
-                </a:solidFill>
-                <a:latin typeface="Bell MT" panose="02020503060305020303" pitchFamily="18" charset="0"/>
-              </a:rPr>
-              <a:t>Conc</a:t>
+              <a:t>Conclusion</a:t>
             </a:r>
             <a:endParaRPr lang="fr-FR" sz="2400" b="1" dirty="0">
               <a:solidFill>
